--- a/07_Hook.pptx
+++ b/07_Hook.pptx
@@ -5,13 +5,17 @@
     <p:sldMasterId id="2147483648" r:id="rId1"/>
   </p:sldMasterIdLst>
   <p:notesMasterIdLst>
-    <p:notesMasterId r:id="rId6"/>
+    <p:notesMasterId r:id="rId10"/>
   </p:notesMasterIdLst>
   <p:sldIdLst>
     <p:sldId id="256" r:id="rId2"/>
     <p:sldId id="263" r:id="rId3"/>
-    <p:sldId id="264" r:id="rId4"/>
-    <p:sldId id="259" r:id="rId5"/>
+    <p:sldId id="265" r:id="rId4"/>
+    <p:sldId id="266" r:id="rId5"/>
+    <p:sldId id="264" r:id="rId6"/>
+    <p:sldId id="267" r:id="rId7"/>
+    <p:sldId id="268" r:id="rId8"/>
+    <p:sldId id="259" r:id="rId9"/>
   </p:sldIdLst>
   <p:sldSz cx="9144000" cy="6858000" type="screen4x3"/>
   <p:notesSz cx="6858000" cy="9144000"/>
@@ -212,7 +216,7 @@
             <a:fld id="{6837EDA8-41C8-4B24-A206-13C08A65A6D7}" type="datetimeFigureOut">
               <a:rPr lang="zh-TW" altLang="en-US" smtClean="0"/>
               <a:pPr/>
-              <a:t>2020/3/31</a:t>
+              <a:t>2020/6/28</a:t>
             </a:fld>
             <a:endParaRPr lang="zh-TW" altLang="en-US"/>
           </a:p>
@@ -665,7 +669,7 @@
             <a:fld id="{8B85509C-BD4F-47BF-9B1E-FC2E949B3621}" type="datetime1">
               <a:rPr lang="zh-TW" altLang="en-US" smtClean="0"/>
               <a:pPr/>
-              <a:t>2020/3/31</a:t>
+              <a:t>2020/6/28</a:t>
             </a:fld>
             <a:endParaRPr lang="zh-TW" altLang="en-US"/>
           </a:p>
@@ -838,7 +842,7 @@
             <a:fld id="{42251B24-F787-4C15-8A0F-7AEC20C70069}" type="datetime1">
               <a:rPr lang="zh-TW" altLang="en-US" smtClean="0"/>
               <a:pPr/>
-              <a:t>2020/3/31</a:t>
+              <a:t>2020/6/28</a:t>
             </a:fld>
             <a:endParaRPr lang="zh-TW" altLang="en-US"/>
           </a:p>
@@ -1013,7 +1017,7 @@
             <a:fld id="{9CA0D33C-CE2B-45F1-B8D4-FFD1F131F331}" type="datetime1">
               <a:rPr lang="zh-TW" altLang="en-US" smtClean="0"/>
               <a:pPr/>
-              <a:t>2020/3/31</a:t>
+              <a:t>2020/6/28</a:t>
             </a:fld>
             <a:endParaRPr lang="zh-TW" altLang="en-US"/>
           </a:p>
@@ -1178,7 +1182,7 @@
             <a:fld id="{50B99440-D9EF-40CC-9B52-F6428D9B2C76}" type="datetime1">
               <a:rPr lang="zh-TW" altLang="en-US" smtClean="0"/>
               <a:pPr/>
-              <a:t>2020/3/31</a:t>
+              <a:t>2020/6/28</a:t>
             </a:fld>
             <a:endParaRPr lang="zh-TW" altLang="en-US"/>
           </a:p>
@@ -1420,7 +1424,7 @@
             <a:fld id="{0871BF52-5C6C-4959-8E27-CECB68D39FE4}" type="datetime1">
               <a:rPr lang="zh-TW" altLang="en-US" smtClean="0"/>
               <a:pPr/>
-              <a:t>2020/3/31</a:t>
+              <a:t>2020/6/28</a:t>
             </a:fld>
             <a:endParaRPr lang="zh-TW" altLang="en-US"/>
           </a:p>
@@ -1702,7 +1706,7 @@
             <a:fld id="{DF863F05-2DD9-4EB1-A827-12FD992DE9DC}" type="datetime1">
               <a:rPr lang="zh-TW" altLang="en-US" smtClean="0"/>
               <a:pPr/>
-              <a:t>2020/3/31</a:t>
+              <a:t>2020/6/28</a:t>
             </a:fld>
             <a:endParaRPr lang="zh-TW" altLang="en-US"/>
           </a:p>
@@ -2118,7 +2122,7 @@
             <a:fld id="{6339AF51-4491-4873-A096-75DB6CE47516}" type="datetime1">
               <a:rPr lang="zh-TW" altLang="en-US" smtClean="0"/>
               <a:pPr/>
-              <a:t>2020/3/31</a:t>
+              <a:t>2020/6/28</a:t>
             </a:fld>
             <a:endParaRPr lang="zh-TW" altLang="en-US"/>
           </a:p>
@@ -2232,7 +2236,7 @@
             <a:fld id="{EE4AD9C8-8B9E-40FF-ABE2-858AC2057BBB}" type="datetime1">
               <a:rPr lang="zh-TW" altLang="en-US" smtClean="0"/>
               <a:pPr/>
-              <a:t>2020/3/31</a:t>
+              <a:t>2020/6/28</a:t>
             </a:fld>
             <a:endParaRPr lang="zh-TW" altLang="en-US"/>
           </a:p>
@@ -2324,7 +2328,7 @@
             <a:fld id="{B4784999-BBBE-4BE4-A8D0-877E7D1D66CC}" type="datetime1">
               <a:rPr lang="zh-TW" altLang="en-US" smtClean="0"/>
               <a:pPr/>
-              <a:t>2020/3/31</a:t>
+              <a:t>2020/6/28</a:t>
             </a:fld>
             <a:endParaRPr lang="zh-TW" altLang="en-US"/>
           </a:p>
@@ -2596,7 +2600,7 @@
             <a:fld id="{E88D17E6-02BD-4944-B9FE-7BFCCBF83D48}" type="datetime1">
               <a:rPr lang="zh-TW" altLang="en-US" smtClean="0"/>
               <a:pPr/>
-              <a:t>2020/3/31</a:t>
+              <a:t>2020/6/28</a:t>
             </a:fld>
             <a:endParaRPr lang="zh-TW" altLang="en-US"/>
           </a:p>
@@ -2845,7 +2849,7 @@
             <a:fld id="{3C13E23D-1FEF-4D78-A3A3-3D6F2BB31954}" type="datetime1">
               <a:rPr lang="zh-TW" altLang="en-US" smtClean="0"/>
               <a:pPr/>
-              <a:t>2020/3/31</a:t>
+              <a:t>2020/6/28</a:t>
             </a:fld>
             <a:endParaRPr lang="zh-TW" altLang="en-US"/>
           </a:p>
@@ -3053,7 +3057,7 @@
             <a:fld id="{06197F35-AD6F-4594-8B50-334492D2E7E8}" type="datetime1">
               <a:rPr lang="zh-TW" altLang="en-US" smtClean="0"/>
               <a:pPr/>
-              <a:t>2020/3/31</a:t>
+              <a:t>2020/6/28</a:t>
             </a:fld>
             <a:endParaRPr lang="zh-TW" altLang="en-US"/>
           </a:p>
@@ -3514,7 +3518,7 @@
             <a:fld id="{C389EDC9-19E3-47AC-9C57-C6A24DEA81AD}" type="datetime1">
               <a:rPr lang="zh-TW" altLang="en-US" smtClean="0"/>
               <a:pPr/>
-              <a:t>2020/3/31</a:t>
+              <a:t>2020/6/28</a:t>
             </a:fld>
             <a:endParaRPr lang="zh-TW" altLang="en-US"/>
           </a:p>
@@ -3679,7 +3683,7 @@
         <p:spPr>
           <a:xfrm>
             <a:off x="467544" y="1340766"/>
-            <a:ext cx="8219256" cy="1224137"/>
+            <a:ext cx="8219256" cy="2026967"/>
           </a:xfrm>
           <a:ln>
             <a:solidFill>
@@ -3746,7 +3750,7 @@
                 </a:solidFill>
                 <a:latin typeface="+mj-lt"/>
               </a:rPr>
-              <a:t>The Hooks are the new features of React.</a:t>
+              <a:t>React 16.7.0 adds the cool new features of Hooks. </a:t>
             </a:r>
           </a:p>
           <a:p>
@@ -3765,7 +3769,64 @@
                 </a:solidFill>
                 <a:latin typeface="+mj-lt"/>
               </a:rPr>
-              <a:t>Hooks let you use state and React features without using a class.</a:t>
+              <a:t>The Hooks are the new features of React.</a:t>
+            </a:r>
+          </a:p>
+          <a:p>
+            <a:pPr marL="342900" indent="-342900" algn="l">
+              <a:buClr>
+                <a:srgbClr val="0070C0"/>
+              </a:buClr>
+              <a:buSzPct val="80000"/>
+              <a:buFont typeface="Wingdings" pitchFamily="2" charset="2"/>
+              <a:buChar char="u"/>
+            </a:pPr>
+            <a:r>
+              <a:rPr lang="en-US" altLang="zh-TW" sz="1600" b="1" dirty="0">
+                <a:solidFill>
+                  <a:schemeClr val="tx1"/>
+                </a:solidFill>
+                <a:latin typeface="+mj-lt"/>
+              </a:rPr>
+              <a:t>Hooks add the state to stateless functional component.</a:t>
+            </a:r>
+          </a:p>
+          <a:p>
+            <a:pPr marL="342900" indent="-342900" algn="l">
+              <a:buClr>
+                <a:srgbClr val="0070C0"/>
+              </a:buClr>
+              <a:buSzPct val="80000"/>
+              <a:buFont typeface="Wingdings" pitchFamily="2" charset="2"/>
+              <a:buChar char="u"/>
+            </a:pPr>
+            <a:r>
+              <a:rPr lang="en-US" altLang="zh-TW" sz="1600" b="1" dirty="0">
+                <a:solidFill>
+                  <a:schemeClr val="tx1"/>
+                </a:solidFill>
+                <a:latin typeface="+mj-lt"/>
+              </a:rPr>
+              <a:t>Hooks let you use state and React features in functional component without using a class.</a:t>
+            </a:r>
+          </a:p>
+          <a:p>
+            <a:pPr marL="342900" indent="-342900" algn="l">
+              <a:buClr>
+                <a:srgbClr val="0070C0"/>
+              </a:buClr>
+              <a:buSzPct val="80000"/>
+              <a:buFont typeface="Wingdings" pitchFamily="2" charset="2"/>
+              <a:buChar char="u"/>
+            </a:pPr>
+            <a:r>
+              <a:rPr lang="en-US" altLang="zh-TW" sz="1600" b="1" dirty="0">
+                <a:solidFill>
+                  <a:schemeClr val="tx1"/>
+                </a:solidFill>
+                <a:latin typeface="+mj-lt"/>
+              </a:rPr>
+              <a:t>In the last discussion, we have compared functional vs. class components as below:</a:t>
             </a:r>
           </a:p>
         </p:txBody>
@@ -3852,7 +3913,7 @@
             <a:fld id="{A4F910E6-8D00-4BAF-8C48-9688E0B449D3}" type="datetime1">
               <a:rPr lang="zh-TW" altLang="en-US" smtClean="0"/>
               <a:pPr/>
-              <a:t>2020/3/31</a:t>
+              <a:t>2020/6/28</a:t>
             </a:fld>
             <a:endParaRPr lang="zh-TW" altLang="en-US"/>
           </a:p>
@@ -3901,7 +3962,7 @@
         </p:nvSpPr>
         <p:spPr>
           <a:xfrm>
-            <a:off x="5011888" y="3135603"/>
+            <a:off x="5162232" y="3861285"/>
             <a:ext cx="3530352" cy="1522600"/>
           </a:xfrm>
           <a:prstGeom prst="rect">
@@ -4001,7 +4062,7 @@
         </p:nvSpPr>
         <p:spPr>
           <a:xfrm>
-            <a:off x="5011888" y="2696445"/>
+            <a:off x="5162232" y="3422127"/>
             <a:ext cx="2455749" cy="439158"/>
           </a:xfrm>
           <a:prstGeom prst="rect">
@@ -4057,7 +4118,7 @@
         </p:nvSpPr>
         <p:spPr>
           <a:xfrm>
-            <a:off x="468996" y="3135603"/>
+            <a:off x="619340" y="3861285"/>
             <a:ext cx="4250432" cy="1522600"/>
           </a:xfrm>
           <a:prstGeom prst="rect">
@@ -4160,7 +4221,7 @@
         </p:nvSpPr>
         <p:spPr>
           <a:xfrm>
-            <a:off x="468996" y="2696445"/>
+            <a:off x="619340" y="3422127"/>
             <a:ext cx="2455749" cy="439158"/>
           </a:xfrm>
           <a:prstGeom prst="rect">
@@ -4304,8 +4365,8 @@
         </p:nvSpPr>
         <p:spPr>
           <a:xfrm>
-            <a:off x="467544" y="1340766"/>
-            <a:ext cx="8219256" cy="2088234"/>
+            <a:off x="467544" y="1711547"/>
+            <a:ext cx="8219256" cy="1285406"/>
           </a:xfrm>
           <a:ln>
             <a:solidFill>
@@ -4328,13 +4389,13 @@
               <a:buChar char="u"/>
             </a:pPr>
             <a:r>
-              <a:rPr lang="en-US" altLang="zh-TW" sz="1600" b="1" dirty="0">
+              <a:rPr lang="en-US" altLang="zh-TW" sz="1800" b="1" dirty="0">
                 <a:solidFill>
                   <a:schemeClr val="tx1"/>
                 </a:solidFill>
                 <a:latin typeface="+mj-lt"/>
               </a:rPr>
-              <a:t>Hooks:</a:t>
+              <a:t>Hooks add state functionality for the functional component.</a:t>
             </a:r>
           </a:p>
           <a:p>
@@ -4347,14 +4408,25 @@
               <a:buChar char="u"/>
             </a:pPr>
             <a:r>
-              <a:rPr lang="en-US" altLang="zh-TW" sz="1600" b="1" dirty="0">
-                <a:solidFill>
-                  <a:schemeClr val="tx1"/>
-                </a:solidFill>
-                <a:latin typeface="+mj-lt"/>
-              </a:rPr>
-              <a:t>No breaking changes.</a:t>
-            </a:r>
+              <a:rPr lang="en-US" sz="1800" dirty="0">
+                <a:solidFill>
+                  <a:schemeClr val="tx1"/>
+                </a:solidFill>
+                <a:hlinkClick r:id="rId2">
+                  <a:extLst>
+                    <a:ext uri="{A12FA001-AC4F-418D-AE19-62706E023703}">
+                      <ahyp:hlinkClr xmlns:ahyp="http://schemas.microsoft.com/office/drawing/2018/hyperlinkcolor" val="tx"/>
+                    </a:ext>
+                  </a:extLst>
+                </a:hlinkClick>
+              </a:rPr>
+              <a:t>https://reactjs.org/docs/hooks-intro.html</a:t>
+            </a:r>
+            <a:endParaRPr lang="en-US" sz="1800" dirty="0">
+              <a:solidFill>
+                <a:schemeClr val="tx1"/>
+              </a:solidFill>
+            </a:endParaRPr>
           </a:p>
           <a:p>
             <a:pPr marL="342900" indent="-342900" algn="l">
@@ -4366,13 +4438,24 @@
               <a:buChar char="u"/>
             </a:pPr>
             <a:r>
-              <a:rPr lang="en-US" altLang="zh-TW" sz="1600" b="1" dirty="0">
-                <a:solidFill>
-                  <a:schemeClr val="tx1"/>
-                </a:solidFill>
-                <a:latin typeface="+mj-lt"/>
-              </a:rPr>
-              <a:t>Hooks are completely opt-in and 100% backwards-compatible.</a:t>
+              <a:rPr lang="en-US" sz="1800" b="0" i="1" dirty="0">
+                <a:solidFill>
+                  <a:schemeClr val="tx1"/>
+                </a:solidFill>
+                <a:effectLst/>
+                <a:latin typeface="-apple-system"/>
+              </a:rPr>
+              <a:t>Hooks</a:t>
+            </a:r>
+            <a:r>
+              <a:rPr lang="en-US" sz="1800" b="0" i="0" dirty="0">
+                <a:solidFill>
+                  <a:schemeClr val="tx1"/>
+                </a:solidFill>
+                <a:effectLst/>
+                <a:latin typeface="-apple-system"/>
+              </a:rPr>
+              <a:t> are a new addition in React 16.8. </a:t>
             </a:r>
           </a:p>
           <a:p>
@@ -4385,71 +4468,21 @@
               <a:buChar char="u"/>
             </a:pPr>
             <a:r>
-              <a:rPr lang="en-US" altLang="zh-TW" sz="1600" b="1" dirty="0">
-                <a:solidFill>
-                  <a:schemeClr val="tx1"/>
-                </a:solidFill>
-                <a:latin typeface="+mj-lt"/>
-              </a:rPr>
-              <a:t>Whatever we have learned so far still holds good.</a:t>
-            </a:r>
-          </a:p>
-          <a:p>
-            <a:pPr marL="342900" indent="-342900" algn="l">
-              <a:buClr>
-                <a:srgbClr val="0070C0"/>
-              </a:buClr>
-              <a:buSzPct val="80000"/>
-              <a:buFont typeface="Wingdings" pitchFamily="2" charset="2"/>
-              <a:buChar char="u"/>
-            </a:pPr>
-            <a:r>
-              <a:rPr lang="en-US" altLang="zh-TW" sz="1600" b="1" dirty="0">
-                <a:solidFill>
-                  <a:schemeClr val="tx1"/>
-                </a:solidFill>
-                <a:latin typeface="+mj-lt"/>
-              </a:rPr>
-              <a:t>Component types – Functional components and class components</a:t>
-            </a:r>
-          </a:p>
-          <a:p>
-            <a:pPr marL="342900" indent="-342900" algn="l">
-              <a:buClr>
-                <a:srgbClr val="0070C0"/>
-              </a:buClr>
-              <a:buSzPct val="80000"/>
-              <a:buFont typeface="Wingdings" pitchFamily="2" charset="2"/>
-              <a:buChar char="u"/>
-            </a:pPr>
-            <a:r>
-              <a:rPr lang="en-US" altLang="zh-TW" sz="1600" b="1" dirty="0">
-                <a:solidFill>
-                  <a:schemeClr val="tx1"/>
-                </a:solidFill>
-                <a:latin typeface="+mj-lt"/>
-              </a:rPr>
-              <a:t>Using state, lifecycle method, and ‘this’ binding.</a:t>
-            </a:r>
-          </a:p>
-          <a:p>
-            <a:pPr marL="342900" indent="-342900" algn="l">
-              <a:buClr>
-                <a:srgbClr val="0070C0"/>
-              </a:buClr>
-              <a:buSzPct val="80000"/>
-              <a:buFont typeface="Wingdings" pitchFamily="2" charset="2"/>
-              <a:buChar char="u"/>
-            </a:pPr>
-            <a:r>
-              <a:rPr lang="en-US" altLang="zh-TW" sz="1600" b="1" dirty="0">
-                <a:solidFill>
-                  <a:schemeClr val="tx1"/>
-                </a:solidFill>
-                <a:latin typeface="+mj-lt"/>
-              </a:rPr>
-              <a:t>After understand state, event binding and lifecycle hooks in class components.</a:t>
-            </a:r>
+              <a:rPr lang="en-US" sz="1800" b="0" i="0" dirty="0">
+                <a:solidFill>
+                  <a:schemeClr val="tx1"/>
+                </a:solidFill>
+                <a:effectLst/>
+                <a:latin typeface="-apple-system"/>
+              </a:rPr>
+              <a:t>They let you use state and other React features without writing a class.</a:t>
+            </a:r>
+            <a:endParaRPr lang="en-US" altLang="zh-TW" sz="1800" b="1" dirty="0">
+              <a:solidFill>
+                <a:schemeClr val="tx1"/>
+              </a:solidFill>
+              <a:latin typeface="+mj-lt"/>
+            </a:endParaRPr>
           </a:p>
         </p:txBody>
       </p:sp>
@@ -4504,7 +4537,7 @@
           <a:p>
             <a:r>
               <a:rPr lang="en-US" sz="1600" dirty="0">
-                <a:hlinkClick r:id="rId2"/>
+                <a:hlinkClick r:id="rId3"/>
               </a:rPr>
               <a:t>https://www.youtube.com/watch?v=oecI26cWqzk&amp;list=PLC3y8-rFHvwgg3vaYJgHGnModB54rxOk3&amp;index=7</a:t>
             </a:r>
@@ -4535,7 +4568,7 @@
             <a:fld id="{A4F910E6-8D00-4BAF-8C48-9688E0B449D3}" type="datetime1">
               <a:rPr lang="zh-TW" altLang="en-US" smtClean="0"/>
               <a:pPr/>
-              <a:t>2020/3/31</a:t>
+              <a:t>2020/6/28</a:t>
             </a:fld>
             <a:endParaRPr lang="zh-TW" altLang="en-US"/>
           </a:p>
@@ -4565,6 +4598,1436 @@
               <a:rPr lang="zh-TW" altLang="en-US" smtClean="0"/>
               <a:pPr/>
               <a:t>3</a:t>
+            </a:fld>
+            <a:endParaRPr lang="zh-TW" altLang="en-US"/>
+          </a:p>
+        </p:txBody>
+      </p:sp>
+      <p:pic>
+        <p:nvPicPr>
+          <p:cNvPr id="7" name="Picture 6">
+            <a:extLst>
+              <a:ext uri="{FF2B5EF4-FFF2-40B4-BE49-F238E27FC236}">
+                <a16:creationId xmlns:a16="http://schemas.microsoft.com/office/drawing/2014/main" id="{2EDD8A29-9226-4DA0-8124-EB125A1D5C58}"/>
+              </a:ext>
+            </a:extLst>
+          </p:cNvPr>
+          <p:cNvPicPr>
+            <a:picLocks noChangeAspect="1"/>
+          </p:cNvPicPr>
+          <p:nvPr/>
+        </p:nvPicPr>
+        <p:blipFill>
+          <a:blip r:embed="rId4"/>
+          <a:stretch>
+            <a:fillRect/>
+          </a:stretch>
+        </p:blipFill>
+        <p:spPr>
+          <a:xfrm>
+            <a:off x="2033972" y="3039029"/>
+            <a:ext cx="5076056" cy="3519444"/>
+          </a:xfrm>
+          <a:prstGeom prst="rect">
+            <a:avLst/>
+          </a:prstGeom>
+          <a:ln>
+            <a:solidFill>
+              <a:srgbClr val="C00000"/>
+            </a:solidFill>
+          </a:ln>
+        </p:spPr>
+      </p:pic>
+    </p:spTree>
+    <p:extLst>
+      <p:ext uri="{BB962C8B-B14F-4D97-AF65-F5344CB8AC3E}">
+        <p14:creationId xmlns:p14="http://schemas.microsoft.com/office/powerpoint/2010/main" val="3107511231"/>
+      </p:ext>
+    </p:extLst>
+  </p:cSld>
+  <p:clrMapOvr>
+    <a:masterClrMapping/>
+  </p:clrMapOvr>
+</p:sld>
+</file>
+
+<file path=ppt/slides/slide4.xml><?xml version="1.0" encoding="utf-8"?>
+<p:sld xmlns:a="http://schemas.openxmlformats.org/drawingml/2006/main" xmlns:r="http://schemas.openxmlformats.org/officeDocument/2006/relationships" xmlns:p="http://schemas.openxmlformats.org/presentationml/2006/main">
+  <p:cSld>
+    <p:spTree>
+      <p:nvGrpSpPr>
+        <p:cNvPr id="1" name=""/>
+        <p:cNvGrpSpPr/>
+        <p:nvPr/>
+      </p:nvGrpSpPr>
+      <p:grpSpPr>
+        <a:xfrm>
+          <a:off x="0" y="0"/>
+          <a:ext cx="0" cy="0"/>
+          <a:chOff x="0" y="0"/>
+          <a:chExt cx="0" cy="0"/>
+        </a:xfrm>
+      </p:grpSpPr>
+      <p:sp>
+        <p:nvSpPr>
+          <p:cNvPr id="2" name="標題 1"/>
+          <p:cNvSpPr>
+            <a:spLocks noGrp="1"/>
+          </p:cNvSpPr>
+          <p:nvPr>
+            <p:ph type="ctrTitle"/>
+          </p:nvPr>
+        </p:nvSpPr>
+        <p:spPr>
+          <a:xfrm>
+            <a:off x="0" y="1"/>
+            <a:ext cx="9144000" cy="764704"/>
+          </a:xfrm>
+          <a:gradFill flip="none" rotWithShape="1">
+            <a:gsLst>
+              <a:gs pos="0">
+                <a:srgbClr val="C00000">
+                  <a:shade val="30000"/>
+                  <a:satMod val="115000"/>
+                </a:srgbClr>
+              </a:gs>
+              <a:gs pos="50000">
+                <a:srgbClr val="C00000">
+                  <a:shade val="67500"/>
+                  <a:satMod val="115000"/>
+                </a:srgbClr>
+              </a:gs>
+              <a:gs pos="100000">
+                <a:srgbClr val="C00000">
+                  <a:shade val="100000"/>
+                  <a:satMod val="115000"/>
+                </a:srgbClr>
+              </a:gs>
+            </a:gsLst>
+            <a:path path="circle">
+              <a:fillToRect t="100000" r="100000"/>
+            </a:path>
+            <a:tileRect l="-100000" b="-100000"/>
+          </a:gradFill>
+        </p:spPr>
+        <p:txBody>
+          <a:bodyPr>
+            <a:normAutofit/>
+          </a:bodyPr>
+          <a:lstStyle/>
+          <a:p>
+            <a:pPr algn="l"/>
+            <a:r>
+              <a:rPr lang="en-US" altLang="zh-TW" b="1" dirty="0">
+                <a:solidFill>
+                  <a:srgbClr val="FFFF00"/>
+                </a:solidFill>
+              </a:rPr>
+              <a:t>7 Hook</a:t>
+            </a:r>
+            <a:endParaRPr lang="zh-TW" altLang="en-US" b="1" dirty="0">
+              <a:solidFill>
+                <a:srgbClr val="FFFF00"/>
+              </a:solidFill>
+            </a:endParaRPr>
+          </a:p>
+        </p:txBody>
+      </p:sp>
+      <p:sp>
+        <p:nvSpPr>
+          <p:cNvPr id="3" name="副標題 2"/>
+          <p:cNvSpPr>
+            <a:spLocks noGrp="1"/>
+          </p:cNvSpPr>
+          <p:nvPr>
+            <p:ph type="subTitle" idx="1"/>
+          </p:nvPr>
+        </p:nvSpPr>
+        <p:spPr>
+          <a:xfrm>
+            <a:off x="467544" y="1711547"/>
+            <a:ext cx="8219256" cy="1069381"/>
+          </a:xfrm>
+          <a:ln>
+            <a:solidFill>
+              <a:srgbClr val="C00000"/>
+            </a:solidFill>
+          </a:ln>
+        </p:spPr>
+        <p:txBody>
+          <a:bodyPr>
+            <a:noAutofit/>
+          </a:bodyPr>
+          <a:lstStyle/>
+          <a:p>
+            <a:pPr marL="342900" indent="-342900" algn="l">
+              <a:buClr>
+                <a:srgbClr val="0070C0"/>
+              </a:buClr>
+              <a:buSzPct val="80000"/>
+              <a:buFont typeface="Wingdings" pitchFamily="2" charset="2"/>
+              <a:buChar char="u"/>
+            </a:pPr>
+            <a:r>
+              <a:rPr lang="en-US" altLang="zh-TW" sz="1800" b="1" dirty="0">
+                <a:solidFill>
+                  <a:schemeClr val="tx1"/>
+                </a:solidFill>
+                <a:latin typeface="+mj-lt"/>
+              </a:rPr>
+              <a:t>Hooks add state functionality for the functional component.</a:t>
+            </a:r>
+          </a:p>
+          <a:p>
+            <a:pPr marL="342900" indent="-342900" algn="l">
+              <a:buClr>
+                <a:srgbClr val="0070C0"/>
+              </a:buClr>
+              <a:buSzPct val="80000"/>
+              <a:buFont typeface="Wingdings" pitchFamily="2" charset="2"/>
+              <a:buChar char="u"/>
+            </a:pPr>
+            <a:r>
+              <a:rPr kumimoji="0" lang="en-US" altLang="en-US" sz="1800" b="0" i="0" u="none" strike="noStrike" cap="none" normalizeH="0" baseline="0" dirty="0">
+                <a:ln>
+                  <a:noFill/>
+                </a:ln>
+                <a:solidFill>
+                  <a:srgbClr val="000000"/>
+                </a:solidFill>
+                <a:effectLst/>
+                <a:latin typeface="-apple-system"/>
+              </a:rPr>
+              <a:t>This new function </a:t>
+            </a:r>
+            <a:r>
+              <a:rPr kumimoji="0" lang="en-US" altLang="en-US" sz="1800" b="0" i="0" u="none" strike="noStrike" cap="none" normalizeH="0" baseline="0" dirty="0" err="1">
+                <a:ln>
+                  <a:noFill/>
+                </a:ln>
+                <a:solidFill>
+                  <a:srgbClr val="1A1A1A"/>
+                </a:solidFill>
+                <a:effectLst/>
+                <a:latin typeface="source-code-pro"/>
+              </a:rPr>
+              <a:t>useState</a:t>
+            </a:r>
+            <a:r>
+              <a:rPr kumimoji="0" lang="en-US" altLang="en-US" sz="1800" b="0" i="0" u="none" strike="noStrike" cap="none" normalizeH="0" baseline="0" dirty="0">
+                <a:ln>
+                  <a:noFill/>
+                </a:ln>
+                <a:solidFill>
+                  <a:srgbClr val="000000"/>
+                </a:solidFill>
+                <a:effectLst/>
+                <a:latin typeface="-apple-system"/>
+              </a:rPr>
+              <a:t> is the first “Hook” we’ll learn about. </a:t>
+            </a:r>
+          </a:p>
+          <a:p>
+            <a:pPr marL="342900" indent="-342900" algn="l">
+              <a:buClr>
+                <a:srgbClr val="0070C0"/>
+              </a:buClr>
+              <a:buSzPct val="80000"/>
+              <a:buFont typeface="Wingdings" pitchFamily="2" charset="2"/>
+              <a:buChar char="u"/>
+            </a:pPr>
+            <a:r>
+              <a:rPr kumimoji="0" lang="en-US" altLang="en-US" sz="1800" b="0" i="0" u="none" strike="noStrike" cap="none" normalizeH="0" baseline="0" dirty="0">
+                <a:ln>
+                  <a:noFill/>
+                </a:ln>
+                <a:solidFill>
+                  <a:srgbClr val="000000"/>
+                </a:solidFill>
+                <a:effectLst/>
+                <a:latin typeface="-apple-system"/>
+              </a:rPr>
+              <a:t>Don’t worry if it doesn’t make sense yet!</a:t>
+            </a:r>
+            <a:r>
+              <a:rPr kumimoji="0" lang="en-US" altLang="en-US" sz="1800" b="0" i="0" u="none" strike="noStrike" cap="none" normalizeH="0" baseline="0" dirty="0">
+                <a:ln>
+                  <a:noFill/>
+                </a:ln>
+                <a:solidFill>
+                  <a:schemeClr val="tx1"/>
+                </a:solidFill>
+                <a:effectLst/>
+              </a:rPr>
+              <a:t> </a:t>
+            </a:r>
+            <a:endParaRPr kumimoji="0" lang="en-US" altLang="en-US" sz="1800" b="0" i="0" u="none" strike="noStrike" cap="none" normalizeH="0" baseline="0" dirty="0">
+              <a:ln>
+                <a:noFill/>
+              </a:ln>
+              <a:solidFill>
+                <a:schemeClr val="tx1"/>
+              </a:solidFill>
+              <a:effectLst/>
+              <a:latin typeface="Arial" panose="020B0604020202020204" pitchFamily="34" charset="0"/>
+            </a:endParaRPr>
+          </a:p>
+        </p:txBody>
+      </p:sp>
+      <p:sp>
+        <p:nvSpPr>
+          <p:cNvPr id="4" name="標題 1"/>
+          <p:cNvSpPr txBox="1">
+            <a:spLocks/>
+          </p:cNvSpPr>
+          <p:nvPr/>
+        </p:nvSpPr>
+        <p:spPr>
+          <a:xfrm>
+            <a:off x="0" y="764704"/>
+            <a:ext cx="9144000" cy="398616"/>
+          </a:xfrm>
+          <a:prstGeom prst="rect">
+            <a:avLst/>
+          </a:prstGeom>
+          <a:gradFill flip="none" rotWithShape="1">
+            <a:gsLst>
+              <a:gs pos="0">
+                <a:srgbClr val="00B0F0">
+                  <a:shade val="30000"/>
+                  <a:satMod val="115000"/>
+                </a:srgbClr>
+              </a:gs>
+              <a:gs pos="50000">
+                <a:srgbClr val="00B0F0">
+                  <a:shade val="67500"/>
+                  <a:satMod val="115000"/>
+                </a:srgbClr>
+              </a:gs>
+              <a:gs pos="100000">
+                <a:srgbClr val="00B0F0">
+                  <a:shade val="100000"/>
+                  <a:satMod val="115000"/>
+                </a:srgbClr>
+              </a:gs>
+            </a:gsLst>
+            <a:path path="circle">
+              <a:fillToRect t="100000" r="100000"/>
+            </a:path>
+            <a:tileRect l="-100000" b="-100000"/>
+          </a:gradFill>
+        </p:spPr>
+        <p:txBody>
+          <a:bodyPr vert="horz" lIns="91440" tIns="45720" rIns="91440" bIns="45720" rtlCol="0" anchor="ctr">
+            <a:normAutofit/>
+          </a:bodyPr>
+          <a:lstStyle/>
+          <a:p>
+            <a:r>
+              <a:rPr lang="en-US" sz="1600" dirty="0">
+                <a:hlinkClick r:id="rId2"/>
+              </a:rPr>
+              <a:t>https://www.youtube.com/watch?v=oecI26cWqzk&amp;list=PLC3y8-rFHvwgg3vaYJgHGnModB54rxOk3&amp;index=7</a:t>
+            </a:r>
+            <a:endParaRPr lang="en-US" altLang="zh-TW" sz="1600" b="1" i="1" dirty="0"/>
+          </a:p>
+        </p:txBody>
+      </p:sp>
+      <p:sp>
+        <p:nvSpPr>
+          <p:cNvPr id="5" name="日期版面配置區 4"/>
+          <p:cNvSpPr>
+            <a:spLocks noGrp="1"/>
+          </p:cNvSpPr>
+          <p:nvPr>
+            <p:ph type="dt" sz="half" idx="10"/>
+          </p:nvPr>
+        </p:nvSpPr>
+        <p:spPr>
+          <a:xfrm>
+            <a:off x="457200" y="6356350"/>
+            <a:ext cx="2133600" cy="404246"/>
+          </a:xfrm>
+        </p:spPr>
+        <p:txBody>
+          <a:bodyPr/>
+          <a:lstStyle/>
+          <a:p>
+            <a:fld id="{A4F910E6-8D00-4BAF-8C48-9688E0B449D3}" type="datetime1">
+              <a:rPr lang="zh-TW" altLang="en-US" smtClean="0"/>
+              <a:pPr/>
+              <a:t>2020/6/28</a:t>
+            </a:fld>
+            <a:endParaRPr lang="zh-TW" altLang="en-US"/>
+          </a:p>
+        </p:txBody>
+      </p:sp>
+      <p:sp>
+        <p:nvSpPr>
+          <p:cNvPr id="6" name="投影片編號版面配置區 5"/>
+          <p:cNvSpPr>
+            <a:spLocks noGrp="1"/>
+          </p:cNvSpPr>
+          <p:nvPr>
+            <p:ph type="sldNum" sz="quarter" idx="12"/>
+          </p:nvPr>
+        </p:nvSpPr>
+        <p:spPr>
+          <a:xfrm>
+            <a:off x="6553200" y="6356350"/>
+            <a:ext cx="2133600" cy="404246"/>
+          </a:xfrm>
+        </p:spPr>
+        <p:txBody>
+          <a:bodyPr/>
+          <a:lstStyle/>
+          <a:p>
+            <a:fld id="{E4D7E63D-91F2-4366-A2C4-1B00C9E2590E}" type="slidenum">
+              <a:rPr lang="zh-TW" altLang="en-US" smtClean="0"/>
+              <a:pPr/>
+              <a:t>4</a:t>
+            </a:fld>
+            <a:endParaRPr lang="zh-TW" altLang="en-US"/>
+          </a:p>
+        </p:txBody>
+      </p:sp>
+      <p:sp>
+        <p:nvSpPr>
+          <p:cNvPr id="8" name="副標題 2">
+            <a:extLst>
+              <a:ext uri="{FF2B5EF4-FFF2-40B4-BE49-F238E27FC236}">
+                <a16:creationId xmlns:a16="http://schemas.microsoft.com/office/drawing/2014/main" id="{35D2A29F-8A73-4042-9F8D-0903CDA7A85F}"/>
+              </a:ext>
+            </a:extLst>
+          </p:cNvPr>
+          <p:cNvSpPr txBox="1">
+            <a:spLocks/>
+          </p:cNvSpPr>
+          <p:nvPr/>
+        </p:nvSpPr>
+        <p:spPr>
+          <a:xfrm>
+            <a:off x="1475656" y="2912134"/>
+            <a:ext cx="5400600" cy="2855986"/>
+          </a:xfrm>
+          <a:prstGeom prst="rect">
+            <a:avLst/>
+          </a:prstGeom>
+          <a:ln>
+            <a:solidFill>
+              <a:srgbClr val="C00000"/>
+            </a:solidFill>
+          </a:ln>
+        </p:spPr>
+        <p:txBody>
+          <a:bodyPr vert="horz" lIns="91440" tIns="45720" rIns="91440" bIns="45720" rtlCol="0">
+            <a:noAutofit/>
+          </a:bodyPr>
+          <a:lstStyle>
+            <a:lvl1pPr marL="0" indent="0" algn="ctr" defTabSz="914400" rtl="0" eaLnBrk="1" latinLnBrk="0" hangingPunct="1">
+              <a:spcBef>
+                <a:spcPct val="20000"/>
+              </a:spcBef>
+              <a:buFont typeface="Arial" pitchFamily="34" charset="0"/>
+              <a:buNone/>
+              <a:defRPr sz="3200" kern="1200">
+                <a:solidFill>
+                  <a:schemeClr val="tx1">
+                    <a:tint val="75000"/>
+                  </a:schemeClr>
+                </a:solidFill>
+                <a:latin typeface="+mn-lt"/>
+                <a:ea typeface="+mn-ea"/>
+                <a:cs typeface="+mn-cs"/>
+              </a:defRPr>
+            </a:lvl1pPr>
+            <a:lvl2pPr marL="457200" indent="0" algn="ctr" defTabSz="914400" rtl="0" eaLnBrk="1" latinLnBrk="0" hangingPunct="1">
+              <a:spcBef>
+                <a:spcPct val="20000"/>
+              </a:spcBef>
+              <a:buFont typeface="Arial" pitchFamily="34" charset="0"/>
+              <a:buNone/>
+              <a:defRPr sz="2800" kern="1200">
+                <a:solidFill>
+                  <a:schemeClr val="tx1">
+                    <a:tint val="75000"/>
+                  </a:schemeClr>
+                </a:solidFill>
+                <a:latin typeface="+mn-lt"/>
+                <a:ea typeface="+mn-ea"/>
+                <a:cs typeface="+mn-cs"/>
+              </a:defRPr>
+            </a:lvl2pPr>
+            <a:lvl3pPr marL="914400" indent="0" algn="ctr" defTabSz="914400" rtl="0" eaLnBrk="1" latinLnBrk="0" hangingPunct="1">
+              <a:spcBef>
+                <a:spcPct val="20000"/>
+              </a:spcBef>
+              <a:buFont typeface="Arial" pitchFamily="34" charset="0"/>
+              <a:buNone/>
+              <a:defRPr sz="2400" kern="1200">
+                <a:solidFill>
+                  <a:schemeClr val="tx1">
+                    <a:tint val="75000"/>
+                  </a:schemeClr>
+                </a:solidFill>
+                <a:latin typeface="+mn-lt"/>
+                <a:ea typeface="+mn-ea"/>
+                <a:cs typeface="+mn-cs"/>
+              </a:defRPr>
+            </a:lvl3pPr>
+            <a:lvl4pPr marL="1371600" indent="0" algn="ctr" defTabSz="914400" rtl="0" eaLnBrk="1" latinLnBrk="0" hangingPunct="1">
+              <a:spcBef>
+                <a:spcPct val="20000"/>
+              </a:spcBef>
+              <a:buFont typeface="Arial" pitchFamily="34" charset="0"/>
+              <a:buNone/>
+              <a:defRPr sz="2000" kern="1200">
+                <a:solidFill>
+                  <a:schemeClr val="tx1">
+                    <a:tint val="75000"/>
+                  </a:schemeClr>
+                </a:solidFill>
+                <a:latin typeface="+mn-lt"/>
+                <a:ea typeface="+mn-ea"/>
+                <a:cs typeface="+mn-cs"/>
+              </a:defRPr>
+            </a:lvl4pPr>
+            <a:lvl5pPr marL="1828800" indent="0" algn="ctr" defTabSz="914400" rtl="0" eaLnBrk="1" latinLnBrk="0" hangingPunct="1">
+              <a:spcBef>
+                <a:spcPct val="20000"/>
+              </a:spcBef>
+              <a:buFont typeface="Arial" pitchFamily="34" charset="0"/>
+              <a:buNone/>
+              <a:defRPr sz="2000" kern="1200">
+                <a:solidFill>
+                  <a:schemeClr val="tx1">
+                    <a:tint val="75000"/>
+                  </a:schemeClr>
+                </a:solidFill>
+                <a:latin typeface="+mn-lt"/>
+                <a:ea typeface="+mn-ea"/>
+                <a:cs typeface="+mn-cs"/>
+              </a:defRPr>
+            </a:lvl5pPr>
+            <a:lvl6pPr marL="2286000" indent="0" algn="ctr" defTabSz="914400" rtl="0" eaLnBrk="1" latinLnBrk="0" hangingPunct="1">
+              <a:spcBef>
+                <a:spcPct val="20000"/>
+              </a:spcBef>
+              <a:buFont typeface="Arial" pitchFamily="34" charset="0"/>
+              <a:buNone/>
+              <a:defRPr sz="2000" kern="1200">
+                <a:solidFill>
+                  <a:schemeClr val="tx1">
+                    <a:tint val="75000"/>
+                  </a:schemeClr>
+                </a:solidFill>
+                <a:latin typeface="+mn-lt"/>
+                <a:ea typeface="+mn-ea"/>
+                <a:cs typeface="+mn-cs"/>
+              </a:defRPr>
+            </a:lvl6pPr>
+            <a:lvl7pPr marL="2743200" indent="0" algn="ctr" defTabSz="914400" rtl="0" eaLnBrk="1" latinLnBrk="0" hangingPunct="1">
+              <a:spcBef>
+                <a:spcPct val="20000"/>
+              </a:spcBef>
+              <a:buFont typeface="Arial" pitchFamily="34" charset="0"/>
+              <a:buNone/>
+              <a:defRPr sz="2000" kern="1200">
+                <a:solidFill>
+                  <a:schemeClr val="tx1">
+                    <a:tint val="75000"/>
+                  </a:schemeClr>
+                </a:solidFill>
+                <a:latin typeface="+mn-lt"/>
+                <a:ea typeface="+mn-ea"/>
+                <a:cs typeface="+mn-cs"/>
+              </a:defRPr>
+            </a:lvl7pPr>
+            <a:lvl8pPr marL="3200400" indent="0" algn="ctr" defTabSz="914400" rtl="0" eaLnBrk="1" latinLnBrk="0" hangingPunct="1">
+              <a:spcBef>
+                <a:spcPct val="20000"/>
+              </a:spcBef>
+              <a:buFont typeface="Arial" pitchFamily="34" charset="0"/>
+              <a:buNone/>
+              <a:defRPr sz="2000" kern="1200">
+                <a:solidFill>
+                  <a:schemeClr val="tx1">
+                    <a:tint val="75000"/>
+                  </a:schemeClr>
+                </a:solidFill>
+                <a:latin typeface="+mn-lt"/>
+                <a:ea typeface="+mn-ea"/>
+                <a:cs typeface="+mn-cs"/>
+              </a:defRPr>
+            </a:lvl8pPr>
+            <a:lvl9pPr marL="3657600" indent="0" algn="ctr" defTabSz="914400" rtl="0" eaLnBrk="1" latinLnBrk="0" hangingPunct="1">
+              <a:spcBef>
+                <a:spcPct val="20000"/>
+              </a:spcBef>
+              <a:buFont typeface="Arial" pitchFamily="34" charset="0"/>
+              <a:buNone/>
+              <a:defRPr sz="2000" kern="1200">
+                <a:solidFill>
+                  <a:schemeClr val="tx1">
+                    <a:tint val="75000"/>
+                  </a:schemeClr>
+                </a:solidFill>
+                <a:latin typeface="+mn-lt"/>
+                <a:ea typeface="+mn-ea"/>
+                <a:cs typeface="+mn-cs"/>
+              </a:defRPr>
+            </a:lvl9pPr>
+          </a:lstStyle>
+          <a:p>
+            <a:pPr algn="l">
+              <a:buClr>
+                <a:srgbClr val="0070C0"/>
+              </a:buClr>
+              <a:buSzPct val="80000"/>
+            </a:pPr>
+            <a:r>
+              <a:rPr kumimoji="0" lang="en-US" altLang="en-US" sz="1400" b="0" i="0" u="none" strike="noStrike" cap="none" normalizeH="0" baseline="0" dirty="0">
+                <a:ln>
+                  <a:noFill/>
+                </a:ln>
+                <a:solidFill>
+                  <a:schemeClr val="tx1"/>
+                </a:solidFill>
+                <a:effectLst/>
+                <a:latin typeface="source-code-pro"/>
+              </a:rPr>
+              <a:t>import React, { </a:t>
+            </a:r>
+            <a:r>
+              <a:rPr kumimoji="0" lang="en-US" altLang="en-US" sz="1400" b="0" i="0" u="none" strike="noStrike" cap="none" normalizeH="0" baseline="0" dirty="0" err="1">
+                <a:ln>
+                  <a:noFill/>
+                </a:ln>
+                <a:solidFill>
+                  <a:schemeClr val="tx1"/>
+                </a:solidFill>
+                <a:effectLst/>
+                <a:latin typeface="source-code-pro"/>
+              </a:rPr>
+              <a:t>useState</a:t>
+            </a:r>
+            <a:r>
+              <a:rPr kumimoji="0" lang="en-US" altLang="en-US" sz="1400" b="0" i="0" u="none" strike="noStrike" cap="none" normalizeH="0" baseline="0" dirty="0">
+                <a:ln>
+                  <a:noFill/>
+                </a:ln>
+                <a:solidFill>
+                  <a:schemeClr val="tx1"/>
+                </a:solidFill>
+                <a:effectLst/>
+                <a:latin typeface="source-code-pro"/>
+              </a:rPr>
+              <a:t> } from 'react’; </a:t>
+            </a:r>
+          </a:p>
+          <a:p>
+            <a:pPr algn="l">
+              <a:buClr>
+                <a:srgbClr val="0070C0"/>
+              </a:buClr>
+              <a:buSzPct val="80000"/>
+            </a:pPr>
+            <a:r>
+              <a:rPr kumimoji="0" lang="en-US" altLang="en-US" sz="1400" b="0" i="0" u="none" strike="noStrike" cap="none" normalizeH="0" baseline="0" dirty="0">
+                <a:ln>
+                  <a:noFill/>
+                </a:ln>
+                <a:solidFill>
+                  <a:schemeClr val="tx1"/>
+                </a:solidFill>
+                <a:effectLst/>
+                <a:latin typeface="source-code-pro"/>
+              </a:rPr>
+              <a:t>function Example() { </a:t>
+            </a:r>
+          </a:p>
+          <a:p>
+            <a:pPr algn="l">
+              <a:buClr>
+                <a:srgbClr val="0070C0"/>
+              </a:buClr>
+              <a:buSzPct val="80000"/>
+            </a:pPr>
+            <a:r>
+              <a:rPr lang="en-US" altLang="en-US" sz="1400" dirty="0">
+                <a:solidFill>
+                  <a:schemeClr val="tx1"/>
+                </a:solidFill>
+                <a:latin typeface="source-code-pro"/>
+              </a:rPr>
+              <a:t>    </a:t>
+            </a:r>
+            <a:r>
+              <a:rPr kumimoji="0" lang="en-US" altLang="en-US" sz="1400" b="0" i="0" u="none" strike="noStrike" cap="none" normalizeH="0" baseline="0" dirty="0">
+                <a:ln>
+                  <a:noFill/>
+                </a:ln>
+                <a:solidFill>
+                  <a:schemeClr val="tx1"/>
+                </a:solidFill>
+                <a:effectLst/>
+                <a:latin typeface="source-code-pro"/>
+              </a:rPr>
+              <a:t>// Declare a new state variable, which we'll call "count" </a:t>
+            </a:r>
+          </a:p>
+          <a:p>
+            <a:pPr algn="l">
+              <a:buClr>
+                <a:srgbClr val="0070C0"/>
+              </a:buClr>
+              <a:buSzPct val="80000"/>
+            </a:pPr>
+            <a:r>
+              <a:rPr lang="en-US" altLang="en-US" sz="1400" dirty="0">
+                <a:solidFill>
+                  <a:schemeClr val="tx1"/>
+                </a:solidFill>
+                <a:latin typeface="source-code-pro"/>
+              </a:rPr>
+              <a:t>    </a:t>
+            </a:r>
+            <a:r>
+              <a:rPr kumimoji="0" lang="en-US" altLang="en-US" sz="1400" b="0" i="0" u="none" strike="noStrike" cap="none" normalizeH="0" baseline="0" dirty="0">
+                <a:ln>
+                  <a:noFill/>
+                </a:ln>
+                <a:solidFill>
+                  <a:schemeClr val="tx1"/>
+                </a:solidFill>
+                <a:effectLst/>
+                <a:latin typeface="source-code-pro"/>
+              </a:rPr>
+              <a:t>const [count, </a:t>
+            </a:r>
+            <a:r>
+              <a:rPr kumimoji="0" lang="en-US" altLang="en-US" sz="1400" b="0" i="0" u="none" strike="noStrike" cap="none" normalizeH="0" baseline="0" dirty="0" err="1">
+                <a:ln>
+                  <a:noFill/>
+                </a:ln>
+                <a:solidFill>
+                  <a:schemeClr val="tx1"/>
+                </a:solidFill>
+                <a:effectLst/>
+                <a:latin typeface="source-code-pro"/>
+              </a:rPr>
+              <a:t>setCount</a:t>
+            </a:r>
+            <a:r>
+              <a:rPr kumimoji="0" lang="en-US" altLang="en-US" sz="1400" b="0" i="0" u="none" strike="noStrike" cap="none" normalizeH="0" baseline="0" dirty="0">
+                <a:ln>
+                  <a:noFill/>
+                </a:ln>
+                <a:solidFill>
+                  <a:schemeClr val="tx1"/>
+                </a:solidFill>
+                <a:effectLst/>
+                <a:latin typeface="source-code-pro"/>
+              </a:rPr>
+              <a:t>] = </a:t>
+            </a:r>
+            <a:r>
+              <a:rPr kumimoji="0" lang="en-US" altLang="en-US" sz="1400" b="0" i="0" u="none" strike="noStrike" cap="none" normalizeH="0" baseline="0" dirty="0" err="1">
+                <a:ln>
+                  <a:noFill/>
+                </a:ln>
+                <a:solidFill>
+                  <a:schemeClr val="tx1"/>
+                </a:solidFill>
+                <a:effectLst/>
+                <a:latin typeface="source-code-pro"/>
+              </a:rPr>
+              <a:t>useState</a:t>
+            </a:r>
+            <a:r>
+              <a:rPr kumimoji="0" lang="en-US" altLang="en-US" sz="1400" b="0" i="0" u="none" strike="noStrike" cap="none" normalizeH="0" baseline="0" dirty="0">
+                <a:ln>
+                  <a:noFill/>
+                </a:ln>
+                <a:solidFill>
+                  <a:schemeClr val="tx1"/>
+                </a:solidFill>
+                <a:effectLst/>
+                <a:latin typeface="source-code-pro"/>
+              </a:rPr>
+              <a:t>(0); </a:t>
+            </a:r>
+          </a:p>
+          <a:p>
+            <a:pPr algn="l">
+              <a:buClr>
+                <a:srgbClr val="0070C0"/>
+              </a:buClr>
+              <a:buSzPct val="80000"/>
+            </a:pPr>
+            <a:r>
+              <a:rPr lang="en-US" altLang="en-US" sz="1400" dirty="0">
+                <a:solidFill>
+                  <a:schemeClr val="tx1"/>
+                </a:solidFill>
+                <a:latin typeface="source-code-pro"/>
+              </a:rPr>
+              <a:t>    </a:t>
+            </a:r>
+            <a:r>
+              <a:rPr kumimoji="0" lang="en-US" altLang="en-US" sz="1400" b="0" i="0" u="none" strike="noStrike" cap="none" normalizeH="0" baseline="0" dirty="0">
+                <a:ln>
+                  <a:noFill/>
+                </a:ln>
+                <a:solidFill>
+                  <a:schemeClr val="tx1"/>
+                </a:solidFill>
+                <a:effectLst/>
+                <a:latin typeface="source-code-pro"/>
+              </a:rPr>
+              <a:t>return ( </a:t>
+            </a:r>
+          </a:p>
+          <a:p>
+            <a:pPr algn="l">
+              <a:buClr>
+                <a:srgbClr val="0070C0"/>
+              </a:buClr>
+              <a:buSzPct val="80000"/>
+            </a:pPr>
+            <a:r>
+              <a:rPr lang="en-US" altLang="en-US" sz="1400" dirty="0">
+                <a:solidFill>
+                  <a:schemeClr val="tx1"/>
+                </a:solidFill>
+                <a:latin typeface="source-code-pro"/>
+              </a:rPr>
+              <a:t>         </a:t>
+            </a:r>
+            <a:r>
+              <a:rPr kumimoji="0" lang="en-US" altLang="en-US" sz="1400" b="0" i="0" u="none" strike="noStrike" cap="none" normalizeH="0" baseline="0" dirty="0">
+                <a:ln>
+                  <a:noFill/>
+                </a:ln>
+                <a:solidFill>
+                  <a:schemeClr val="tx1"/>
+                </a:solidFill>
+                <a:effectLst/>
+                <a:latin typeface="source-code-pro"/>
+              </a:rPr>
+              <a:t>&lt;div&gt; </a:t>
+            </a:r>
+          </a:p>
+          <a:p>
+            <a:pPr algn="l">
+              <a:buClr>
+                <a:srgbClr val="0070C0"/>
+              </a:buClr>
+              <a:buSzPct val="80000"/>
+            </a:pPr>
+            <a:r>
+              <a:rPr lang="en-US" altLang="en-US" sz="1400" dirty="0">
+                <a:solidFill>
+                  <a:schemeClr val="tx1"/>
+                </a:solidFill>
+                <a:latin typeface="source-code-pro"/>
+              </a:rPr>
+              <a:t>            </a:t>
+            </a:r>
+            <a:r>
+              <a:rPr kumimoji="0" lang="en-US" altLang="en-US" sz="1400" b="0" i="0" u="none" strike="noStrike" cap="none" normalizeH="0" baseline="0" dirty="0">
+                <a:ln>
+                  <a:noFill/>
+                </a:ln>
+                <a:solidFill>
+                  <a:schemeClr val="tx1"/>
+                </a:solidFill>
+                <a:effectLst/>
+                <a:latin typeface="source-code-pro"/>
+              </a:rPr>
+              <a:t>&lt;p&gt;You clicked {count} times&lt;/p&gt; </a:t>
+            </a:r>
+          </a:p>
+          <a:p>
+            <a:pPr algn="l">
+              <a:buClr>
+                <a:srgbClr val="0070C0"/>
+              </a:buClr>
+              <a:buSzPct val="80000"/>
+            </a:pPr>
+            <a:r>
+              <a:rPr lang="en-US" altLang="en-US" sz="1400" dirty="0">
+                <a:solidFill>
+                  <a:schemeClr val="tx1"/>
+                </a:solidFill>
+                <a:latin typeface="source-code-pro"/>
+              </a:rPr>
+              <a:t>           </a:t>
+            </a:r>
+            <a:r>
+              <a:rPr kumimoji="0" lang="en-US" altLang="en-US" sz="1400" b="0" i="0" u="none" strike="noStrike" cap="none" normalizeH="0" baseline="0" dirty="0">
+                <a:ln>
+                  <a:noFill/>
+                </a:ln>
+                <a:solidFill>
+                  <a:schemeClr val="tx1"/>
+                </a:solidFill>
+                <a:effectLst/>
+                <a:latin typeface="source-code-pro"/>
+              </a:rPr>
+              <a:t>&lt;button </a:t>
+            </a:r>
+            <a:r>
+              <a:rPr kumimoji="0" lang="en-US" altLang="en-US" sz="1400" b="0" i="0" u="none" strike="noStrike" cap="none" normalizeH="0" baseline="0" dirty="0" err="1">
+                <a:ln>
+                  <a:noFill/>
+                </a:ln>
+                <a:solidFill>
+                  <a:schemeClr val="tx1"/>
+                </a:solidFill>
+                <a:effectLst/>
+                <a:latin typeface="source-code-pro"/>
+              </a:rPr>
+              <a:t>onClick</a:t>
+            </a:r>
+            <a:r>
+              <a:rPr kumimoji="0" lang="en-US" altLang="en-US" sz="1400" b="0" i="0" u="none" strike="noStrike" cap="none" normalizeH="0" baseline="0" dirty="0">
+                <a:ln>
+                  <a:noFill/>
+                </a:ln>
+                <a:solidFill>
+                  <a:schemeClr val="tx1"/>
+                </a:solidFill>
+                <a:effectLst/>
+                <a:latin typeface="source-code-pro"/>
+              </a:rPr>
+              <a:t>={() =&gt; </a:t>
+            </a:r>
+            <a:r>
+              <a:rPr kumimoji="0" lang="en-US" altLang="en-US" sz="1400" b="0" i="0" u="none" strike="noStrike" cap="none" normalizeH="0" baseline="0" dirty="0" err="1">
+                <a:ln>
+                  <a:noFill/>
+                </a:ln>
+                <a:solidFill>
+                  <a:schemeClr val="tx1"/>
+                </a:solidFill>
+                <a:effectLst/>
+                <a:latin typeface="source-code-pro"/>
+              </a:rPr>
+              <a:t>setCount</a:t>
+            </a:r>
+            <a:r>
+              <a:rPr kumimoji="0" lang="en-US" altLang="en-US" sz="1400" b="0" i="0" u="none" strike="noStrike" cap="none" normalizeH="0" baseline="0" dirty="0">
+                <a:ln>
+                  <a:noFill/>
+                </a:ln>
+                <a:solidFill>
+                  <a:schemeClr val="tx1"/>
+                </a:solidFill>
+                <a:effectLst/>
+                <a:latin typeface="source-code-pro"/>
+              </a:rPr>
+              <a:t>(count + 1)}&gt; Click me &lt;/button&gt; </a:t>
+            </a:r>
+          </a:p>
+          <a:p>
+            <a:pPr algn="l">
+              <a:buClr>
+                <a:srgbClr val="0070C0"/>
+              </a:buClr>
+              <a:buSzPct val="80000"/>
+            </a:pPr>
+            <a:r>
+              <a:rPr lang="en-US" altLang="en-US" sz="1400" dirty="0">
+                <a:solidFill>
+                  <a:schemeClr val="tx1"/>
+                </a:solidFill>
+                <a:latin typeface="source-code-pro"/>
+              </a:rPr>
+              <a:t>         </a:t>
+            </a:r>
+            <a:r>
+              <a:rPr kumimoji="0" lang="en-US" altLang="en-US" sz="1400" b="0" i="0" u="none" strike="noStrike" cap="none" normalizeH="0" baseline="0" dirty="0">
+                <a:ln>
+                  <a:noFill/>
+                </a:ln>
+                <a:solidFill>
+                  <a:schemeClr val="tx1"/>
+                </a:solidFill>
+                <a:effectLst/>
+                <a:latin typeface="source-code-pro"/>
+              </a:rPr>
+              <a:t>&lt;/div&gt; </a:t>
+            </a:r>
+          </a:p>
+          <a:p>
+            <a:pPr algn="l">
+              <a:buClr>
+                <a:srgbClr val="0070C0"/>
+              </a:buClr>
+              <a:buSzPct val="80000"/>
+            </a:pPr>
+            <a:r>
+              <a:rPr lang="en-US" altLang="en-US" sz="1400" dirty="0">
+                <a:solidFill>
+                  <a:schemeClr val="tx1"/>
+                </a:solidFill>
+                <a:latin typeface="source-code-pro"/>
+              </a:rPr>
+              <a:t>    </a:t>
+            </a:r>
+            <a:r>
+              <a:rPr kumimoji="0" lang="en-US" altLang="en-US" sz="1400" b="0" i="0" u="none" strike="noStrike" cap="none" normalizeH="0" baseline="0" dirty="0">
+                <a:ln>
+                  <a:noFill/>
+                </a:ln>
+                <a:solidFill>
+                  <a:schemeClr val="tx1"/>
+                </a:solidFill>
+                <a:effectLst/>
+                <a:latin typeface="source-code-pro"/>
+              </a:rPr>
+              <a:t>); </a:t>
+            </a:r>
+          </a:p>
+          <a:p>
+            <a:pPr algn="l">
+              <a:buClr>
+                <a:srgbClr val="0070C0"/>
+              </a:buClr>
+              <a:buSzPct val="80000"/>
+            </a:pPr>
+            <a:r>
+              <a:rPr kumimoji="0" lang="en-US" altLang="en-US" sz="1400" b="0" i="0" u="none" strike="noStrike" cap="none" normalizeH="0" baseline="0" dirty="0">
+                <a:ln>
+                  <a:noFill/>
+                </a:ln>
+                <a:solidFill>
+                  <a:schemeClr val="tx1"/>
+                </a:solidFill>
+                <a:effectLst/>
+                <a:latin typeface="source-code-pro"/>
+              </a:rPr>
+              <a:t>}</a:t>
+            </a:r>
+            <a:r>
+              <a:rPr kumimoji="0" lang="en-US" altLang="en-US" sz="1400" b="0" i="0" u="none" strike="noStrike" cap="none" normalizeH="0" baseline="0" dirty="0">
+                <a:ln>
+                  <a:noFill/>
+                </a:ln>
+                <a:solidFill>
+                  <a:schemeClr val="tx1"/>
+                </a:solidFill>
+                <a:effectLst/>
+              </a:rPr>
+              <a:t> </a:t>
+            </a:r>
+            <a:endParaRPr kumimoji="0" lang="en-US" altLang="en-US" sz="1400" b="0" i="0" u="none" strike="noStrike" cap="none" normalizeH="0" baseline="0" dirty="0">
+              <a:ln>
+                <a:noFill/>
+              </a:ln>
+              <a:solidFill>
+                <a:schemeClr val="tx1"/>
+              </a:solidFill>
+              <a:effectLst/>
+              <a:latin typeface="Arial" panose="020B0604020202020204" pitchFamily="34" charset="0"/>
+            </a:endParaRPr>
+          </a:p>
+        </p:txBody>
+      </p:sp>
+    </p:spTree>
+    <p:extLst>
+      <p:ext uri="{BB962C8B-B14F-4D97-AF65-F5344CB8AC3E}">
+        <p14:creationId xmlns:p14="http://schemas.microsoft.com/office/powerpoint/2010/main" val="3489014487"/>
+      </p:ext>
+    </p:extLst>
+  </p:cSld>
+  <p:clrMapOvr>
+    <a:masterClrMapping/>
+  </p:clrMapOvr>
+</p:sld>
+</file>
+
+<file path=ppt/slides/slide5.xml><?xml version="1.0" encoding="utf-8"?>
+<p:sld xmlns:a="http://schemas.openxmlformats.org/drawingml/2006/main" xmlns:r="http://schemas.openxmlformats.org/officeDocument/2006/relationships" xmlns:p="http://schemas.openxmlformats.org/presentationml/2006/main">
+  <p:cSld>
+    <p:spTree>
+      <p:nvGrpSpPr>
+        <p:cNvPr id="1" name=""/>
+        <p:cNvGrpSpPr/>
+        <p:nvPr/>
+      </p:nvGrpSpPr>
+      <p:grpSpPr>
+        <a:xfrm>
+          <a:off x="0" y="0"/>
+          <a:ext cx="0" cy="0"/>
+          <a:chOff x="0" y="0"/>
+          <a:chExt cx="0" cy="0"/>
+        </a:xfrm>
+      </p:grpSpPr>
+      <p:sp>
+        <p:nvSpPr>
+          <p:cNvPr id="2" name="標題 1"/>
+          <p:cNvSpPr>
+            <a:spLocks noGrp="1"/>
+          </p:cNvSpPr>
+          <p:nvPr>
+            <p:ph type="ctrTitle"/>
+          </p:nvPr>
+        </p:nvSpPr>
+        <p:spPr>
+          <a:xfrm>
+            <a:off x="0" y="1"/>
+            <a:ext cx="9144000" cy="764704"/>
+          </a:xfrm>
+          <a:gradFill flip="none" rotWithShape="1">
+            <a:gsLst>
+              <a:gs pos="0">
+                <a:srgbClr val="C00000">
+                  <a:shade val="30000"/>
+                  <a:satMod val="115000"/>
+                </a:srgbClr>
+              </a:gs>
+              <a:gs pos="50000">
+                <a:srgbClr val="C00000">
+                  <a:shade val="67500"/>
+                  <a:satMod val="115000"/>
+                </a:srgbClr>
+              </a:gs>
+              <a:gs pos="100000">
+                <a:srgbClr val="C00000">
+                  <a:shade val="100000"/>
+                  <a:satMod val="115000"/>
+                </a:srgbClr>
+              </a:gs>
+            </a:gsLst>
+            <a:path path="circle">
+              <a:fillToRect t="100000" r="100000"/>
+            </a:path>
+            <a:tileRect l="-100000" b="-100000"/>
+          </a:gradFill>
+        </p:spPr>
+        <p:txBody>
+          <a:bodyPr>
+            <a:normAutofit/>
+          </a:bodyPr>
+          <a:lstStyle/>
+          <a:p>
+            <a:pPr algn="l"/>
+            <a:r>
+              <a:rPr lang="en-US" altLang="zh-TW" b="1" dirty="0">
+                <a:solidFill>
+                  <a:srgbClr val="FFFF00"/>
+                </a:solidFill>
+              </a:rPr>
+              <a:t>7 Hook</a:t>
+            </a:r>
+            <a:endParaRPr lang="zh-TW" altLang="en-US" b="1" dirty="0">
+              <a:solidFill>
+                <a:srgbClr val="FFFF00"/>
+              </a:solidFill>
+            </a:endParaRPr>
+          </a:p>
+        </p:txBody>
+      </p:sp>
+      <p:sp>
+        <p:nvSpPr>
+          <p:cNvPr id="3" name="副標題 2"/>
+          <p:cNvSpPr>
+            <a:spLocks noGrp="1"/>
+          </p:cNvSpPr>
+          <p:nvPr>
+            <p:ph type="subTitle" idx="1"/>
+          </p:nvPr>
+        </p:nvSpPr>
+        <p:spPr>
+          <a:xfrm>
+            <a:off x="467544" y="1340765"/>
+            <a:ext cx="8219256" cy="4536507"/>
+          </a:xfrm>
+          <a:ln>
+            <a:solidFill>
+              <a:srgbClr val="C00000"/>
+            </a:solidFill>
+          </a:ln>
+        </p:spPr>
+        <p:txBody>
+          <a:bodyPr>
+            <a:noAutofit/>
+          </a:bodyPr>
+          <a:lstStyle/>
+          <a:p>
+            <a:pPr marL="342900" indent="-342900" algn="l">
+              <a:buClr>
+                <a:srgbClr val="0070C0"/>
+              </a:buClr>
+              <a:buSzPct val="80000"/>
+              <a:buFont typeface="Wingdings" pitchFamily="2" charset="2"/>
+              <a:buChar char="u"/>
+            </a:pPr>
+            <a:r>
+              <a:rPr lang="en-US" altLang="zh-TW" sz="1600" b="1" dirty="0">
+                <a:solidFill>
+                  <a:schemeClr val="tx1"/>
+                </a:solidFill>
+                <a:latin typeface="+mj-lt"/>
+              </a:rPr>
+              <a:t>Hooks</a:t>
+            </a:r>
+            <a:r>
+              <a:rPr lang="en-US" altLang="zh-TW" sz="1600" b="1" dirty="0">
+                <a:solidFill>
+                  <a:schemeClr val="tx1"/>
+                </a:solidFill>
+                <a:latin typeface="-apple-system"/>
+              </a:rPr>
+              <a:t> have</a:t>
+            </a:r>
+            <a:r>
+              <a:rPr lang="en-US" sz="1600" b="1" dirty="0">
+                <a:solidFill>
+                  <a:schemeClr val="tx1"/>
+                </a:solidFill>
+                <a:effectLst/>
+                <a:latin typeface="-apple-system"/>
+              </a:rPr>
+              <a:t> new addition in React 16.7. </a:t>
+            </a:r>
+            <a:endParaRPr lang="en-US" altLang="zh-TW" sz="1600" b="1" dirty="0">
+              <a:solidFill>
+                <a:schemeClr val="tx1"/>
+              </a:solidFill>
+              <a:latin typeface="+mj-lt"/>
+            </a:endParaRPr>
+          </a:p>
+          <a:p>
+            <a:pPr marL="800100" lvl="1" indent="-342900" algn="l">
+              <a:buClr>
+                <a:srgbClr val="0070C0"/>
+              </a:buClr>
+              <a:buSzPct val="80000"/>
+              <a:buFont typeface="Wingdings" pitchFamily="2" charset="2"/>
+              <a:buChar char="u"/>
+            </a:pPr>
+            <a:r>
+              <a:rPr lang="en-US" altLang="zh-TW" sz="1800" b="1" dirty="0">
+                <a:solidFill>
+                  <a:schemeClr val="tx1"/>
+                </a:solidFill>
+                <a:latin typeface="+mj-lt"/>
+              </a:rPr>
+              <a:t>There is no breaking changes in Hooks: Hooks will not break any change in the previous release.</a:t>
+            </a:r>
+          </a:p>
+          <a:p>
+            <a:pPr marL="800100" lvl="1" indent="-342900" algn="l">
+              <a:buClr>
+                <a:srgbClr val="0070C0"/>
+              </a:buClr>
+              <a:buSzPct val="80000"/>
+              <a:buFont typeface="Wingdings" pitchFamily="2" charset="2"/>
+              <a:buChar char="u"/>
+            </a:pPr>
+            <a:r>
+              <a:rPr lang="en-US" altLang="zh-TW" sz="1800" b="1" dirty="0">
+                <a:solidFill>
+                  <a:schemeClr val="tx1"/>
+                </a:solidFill>
+                <a:latin typeface="+mj-lt"/>
+              </a:rPr>
+              <a:t>Hooks are completely opt-in and 100% backwards-compatible: If you do not want to, you do not really have to learn hook.</a:t>
+            </a:r>
+          </a:p>
+          <a:p>
+            <a:pPr marL="800100" lvl="1" indent="-342900" algn="l">
+              <a:buClr>
+                <a:srgbClr val="0070C0"/>
+              </a:buClr>
+              <a:buSzPct val="80000"/>
+              <a:buFont typeface="Wingdings" pitchFamily="2" charset="2"/>
+              <a:buChar char="u"/>
+            </a:pPr>
+            <a:r>
+              <a:rPr lang="en-US" altLang="zh-TW" sz="1800" b="1" dirty="0">
+                <a:solidFill>
+                  <a:schemeClr val="tx1"/>
+                </a:solidFill>
+                <a:latin typeface="+mj-lt"/>
+              </a:rPr>
+              <a:t>Whatever we have learned so far still holds good: Only the functional component can have the state and life cycle hook.</a:t>
+            </a:r>
+          </a:p>
+          <a:p>
+            <a:pPr marL="800100" lvl="1" indent="-342900" algn="l">
+              <a:buClr>
+                <a:srgbClr val="0070C0"/>
+              </a:buClr>
+              <a:buSzPct val="80000"/>
+              <a:buFont typeface="Wingdings" pitchFamily="2" charset="2"/>
+              <a:buChar char="u"/>
+            </a:pPr>
+            <a:r>
+              <a:rPr lang="en-US" altLang="zh-TW" sz="1800" b="1" dirty="0">
+                <a:solidFill>
+                  <a:schemeClr val="tx1"/>
+                </a:solidFill>
+                <a:latin typeface="+mj-lt"/>
+              </a:rPr>
+              <a:t>Component types – Functional components and class components: Functional component and class component are still good.</a:t>
+            </a:r>
+          </a:p>
+          <a:p>
+            <a:pPr marL="800100" lvl="1" indent="-342900" algn="l">
+              <a:buClr>
+                <a:srgbClr val="0070C0"/>
+              </a:buClr>
+              <a:buSzPct val="80000"/>
+              <a:buFont typeface="Wingdings" pitchFamily="2" charset="2"/>
+              <a:buChar char="u"/>
+            </a:pPr>
+            <a:r>
+              <a:rPr lang="en-US" altLang="zh-TW" sz="1800" b="1" dirty="0">
+                <a:solidFill>
+                  <a:schemeClr val="tx1"/>
+                </a:solidFill>
+                <a:latin typeface="+mj-lt"/>
+              </a:rPr>
+              <a:t>We start with the class component: We use state, lifecycle method, and ‘this’ binding. Only understand the class component, then you can appreciate what hook bring to the functional component with state and lifecycle, and without using ‘this’ keyword.</a:t>
+            </a:r>
+          </a:p>
+          <a:p>
+            <a:pPr marL="800100" lvl="1" indent="-342900" algn="l">
+              <a:buClr>
+                <a:srgbClr val="0070C0"/>
+              </a:buClr>
+              <a:buSzPct val="80000"/>
+              <a:buFont typeface="Wingdings" pitchFamily="2" charset="2"/>
+              <a:buChar char="u"/>
+            </a:pPr>
+            <a:r>
+              <a:rPr lang="en-US" altLang="zh-TW" sz="1800" b="1" dirty="0">
+                <a:solidFill>
+                  <a:schemeClr val="tx1"/>
+                </a:solidFill>
+                <a:latin typeface="+mj-lt"/>
+              </a:rPr>
+              <a:t>After understanding state, event binding, and lifecycle hooks in class components, we can understand better in hook.</a:t>
+            </a:r>
+          </a:p>
+        </p:txBody>
+      </p:sp>
+      <p:sp>
+        <p:nvSpPr>
+          <p:cNvPr id="4" name="標題 1"/>
+          <p:cNvSpPr txBox="1">
+            <a:spLocks/>
+          </p:cNvSpPr>
+          <p:nvPr/>
+        </p:nvSpPr>
+        <p:spPr>
+          <a:xfrm>
+            <a:off x="0" y="764704"/>
+            <a:ext cx="9144000" cy="398616"/>
+          </a:xfrm>
+          <a:prstGeom prst="rect">
+            <a:avLst/>
+          </a:prstGeom>
+          <a:gradFill flip="none" rotWithShape="1">
+            <a:gsLst>
+              <a:gs pos="0">
+                <a:srgbClr val="00B0F0">
+                  <a:shade val="30000"/>
+                  <a:satMod val="115000"/>
+                </a:srgbClr>
+              </a:gs>
+              <a:gs pos="50000">
+                <a:srgbClr val="00B0F0">
+                  <a:shade val="67500"/>
+                  <a:satMod val="115000"/>
+                </a:srgbClr>
+              </a:gs>
+              <a:gs pos="100000">
+                <a:srgbClr val="00B0F0">
+                  <a:shade val="100000"/>
+                  <a:satMod val="115000"/>
+                </a:srgbClr>
+              </a:gs>
+            </a:gsLst>
+            <a:path path="circle">
+              <a:fillToRect t="100000" r="100000"/>
+            </a:path>
+            <a:tileRect l="-100000" b="-100000"/>
+          </a:gradFill>
+        </p:spPr>
+        <p:txBody>
+          <a:bodyPr vert="horz" lIns="91440" tIns="45720" rIns="91440" bIns="45720" rtlCol="0" anchor="ctr">
+            <a:normAutofit/>
+          </a:bodyPr>
+          <a:lstStyle/>
+          <a:p>
+            <a:r>
+              <a:rPr lang="en-US" sz="1600" dirty="0">
+                <a:hlinkClick r:id="rId2"/>
+              </a:rPr>
+              <a:t>https://www.youtube.com/watch?v=oecI26cWqzk&amp;list=PLC3y8-rFHvwgg3vaYJgHGnModB54rxOk3&amp;index=7</a:t>
+            </a:r>
+            <a:endParaRPr lang="en-US" altLang="zh-TW" sz="1600" b="1" i="1" dirty="0"/>
+          </a:p>
+        </p:txBody>
+      </p:sp>
+      <p:sp>
+        <p:nvSpPr>
+          <p:cNvPr id="5" name="日期版面配置區 4"/>
+          <p:cNvSpPr>
+            <a:spLocks noGrp="1"/>
+          </p:cNvSpPr>
+          <p:nvPr>
+            <p:ph type="dt" sz="half" idx="10"/>
+          </p:nvPr>
+        </p:nvSpPr>
+        <p:spPr>
+          <a:xfrm>
+            <a:off x="457200" y="6356350"/>
+            <a:ext cx="2133600" cy="404246"/>
+          </a:xfrm>
+        </p:spPr>
+        <p:txBody>
+          <a:bodyPr/>
+          <a:lstStyle/>
+          <a:p>
+            <a:fld id="{A4F910E6-8D00-4BAF-8C48-9688E0B449D3}" type="datetime1">
+              <a:rPr lang="zh-TW" altLang="en-US" smtClean="0"/>
+              <a:pPr/>
+              <a:t>2020/6/28</a:t>
+            </a:fld>
+            <a:endParaRPr lang="zh-TW" altLang="en-US"/>
+          </a:p>
+        </p:txBody>
+      </p:sp>
+      <p:sp>
+        <p:nvSpPr>
+          <p:cNvPr id="6" name="投影片編號版面配置區 5"/>
+          <p:cNvSpPr>
+            <a:spLocks noGrp="1"/>
+          </p:cNvSpPr>
+          <p:nvPr>
+            <p:ph type="sldNum" sz="quarter" idx="12"/>
+          </p:nvPr>
+        </p:nvSpPr>
+        <p:spPr>
+          <a:xfrm>
+            <a:off x="6553200" y="6356350"/>
+            <a:ext cx="2133600" cy="404246"/>
+          </a:xfrm>
+        </p:spPr>
+        <p:txBody>
+          <a:bodyPr/>
+          <a:lstStyle/>
+          <a:p>
+            <a:fld id="{E4D7E63D-91F2-4366-A2C4-1B00C9E2590E}" type="slidenum">
+              <a:rPr lang="zh-TW" altLang="en-US" smtClean="0"/>
+              <a:pPr/>
+              <a:t>5</a:t>
             </a:fld>
             <a:endParaRPr lang="zh-TW" altLang="en-US"/>
           </a:p>
@@ -4583,7 +6046,588 @@
 </p:sld>
 </file>
 
-<file path=ppt/slides/slide4.xml><?xml version="1.0" encoding="utf-8"?>
+<file path=ppt/slides/slide6.xml><?xml version="1.0" encoding="utf-8"?>
+<p:sld xmlns:a="http://schemas.openxmlformats.org/drawingml/2006/main" xmlns:r="http://schemas.openxmlformats.org/officeDocument/2006/relationships" xmlns:p="http://schemas.openxmlformats.org/presentationml/2006/main">
+  <p:cSld>
+    <p:spTree>
+      <p:nvGrpSpPr>
+        <p:cNvPr id="1" name=""/>
+        <p:cNvGrpSpPr/>
+        <p:nvPr/>
+      </p:nvGrpSpPr>
+      <p:grpSpPr>
+        <a:xfrm>
+          <a:off x="0" y="0"/>
+          <a:ext cx="0" cy="0"/>
+          <a:chOff x="0" y="0"/>
+          <a:chExt cx="0" cy="0"/>
+        </a:xfrm>
+      </p:grpSpPr>
+      <p:sp>
+        <p:nvSpPr>
+          <p:cNvPr id="2" name="標題 1"/>
+          <p:cNvSpPr>
+            <a:spLocks noGrp="1"/>
+          </p:cNvSpPr>
+          <p:nvPr>
+            <p:ph type="ctrTitle"/>
+          </p:nvPr>
+        </p:nvSpPr>
+        <p:spPr>
+          <a:xfrm>
+            <a:off x="0" y="2130425"/>
+            <a:ext cx="9144000" cy="1470025"/>
+          </a:xfrm>
+          <a:solidFill>
+            <a:srgbClr val="00B0F0"/>
+          </a:solidFill>
+        </p:spPr>
+        <p:txBody>
+          <a:bodyPr>
+            <a:normAutofit/>
+          </a:bodyPr>
+          <a:lstStyle/>
+          <a:p>
+            <a:r>
+              <a:rPr lang="en-US" altLang="zh-TW" sz="4800" b="1" dirty="0">
+                <a:solidFill>
+                  <a:srgbClr val="FFFF00"/>
+                </a:solidFill>
+              </a:rPr>
+              <a:t>7.1 Quiz</a:t>
+            </a:r>
+            <a:endParaRPr lang="zh-TW" altLang="en-US" sz="4800" b="1" dirty="0">
+              <a:solidFill>
+                <a:srgbClr val="FFFF00"/>
+              </a:solidFill>
+            </a:endParaRPr>
+          </a:p>
+        </p:txBody>
+      </p:sp>
+      <p:sp>
+        <p:nvSpPr>
+          <p:cNvPr id="5" name="日期版面配置區 4"/>
+          <p:cNvSpPr>
+            <a:spLocks noGrp="1"/>
+          </p:cNvSpPr>
+          <p:nvPr>
+            <p:ph type="dt" sz="half" idx="10"/>
+          </p:nvPr>
+        </p:nvSpPr>
+        <p:spPr/>
+        <p:txBody>
+          <a:bodyPr/>
+          <a:lstStyle/>
+          <a:p>
+            <a:fld id="{C389EDC9-19E3-47AC-9C57-C6A24DEA81AD}" type="datetime1">
+              <a:rPr lang="zh-TW" altLang="en-US" smtClean="0"/>
+              <a:pPr/>
+              <a:t>2020/6/28</a:t>
+            </a:fld>
+            <a:endParaRPr lang="zh-TW" altLang="en-US"/>
+          </a:p>
+        </p:txBody>
+      </p:sp>
+      <p:sp>
+        <p:nvSpPr>
+          <p:cNvPr id="6" name="投影片編號版面配置區 5"/>
+          <p:cNvSpPr>
+            <a:spLocks noGrp="1"/>
+          </p:cNvSpPr>
+          <p:nvPr>
+            <p:ph type="sldNum" sz="quarter" idx="12"/>
+          </p:nvPr>
+        </p:nvSpPr>
+        <p:spPr/>
+        <p:txBody>
+          <a:bodyPr/>
+          <a:lstStyle/>
+          <a:p>
+            <a:fld id="{E4D7E63D-91F2-4366-A2C4-1B00C9E2590E}" type="slidenum">
+              <a:rPr lang="zh-TW" altLang="en-US" smtClean="0"/>
+              <a:pPr/>
+              <a:t>6</a:t>
+            </a:fld>
+            <a:endParaRPr lang="zh-TW" altLang="en-US"/>
+          </a:p>
+        </p:txBody>
+      </p:sp>
+      <p:pic>
+        <p:nvPicPr>
+          <p:cNvPr id="2050" name="Picture 2"/>
+          <p:cNvPicPr>
+            <a:picLocks noChangeAspect="1" noChangeArrowheads="1"/>
+          </p:cNvPicPr>
+          <p:nvPr/>
+        </p:nvPicPr>
+        <p:blipFill>
+          <a:blip r:embed="rId2" cstate="print"/>
+          <a:srcRect/>
+          <a:stretch>
+            <a:fillRect/>
+          </a:stretch>
+        </p:blipFill>
+        <p:spPr bwMode="auto">
+          <a:xfrm>
+            <a:off x="4283968" y="3717032"/>
+            <a:ext cx="713805" cy="644588"/>
+          </a:xfrm>
+          <a:prstGeom prst="rect">
+            <a:avLst/>
+          </a:prstGeom>
+          <a:noFill/>
+          <a:ln w="9525">
+            <a:noFill/>
+            <a:miter lim="800000"/>
+            <a:headEnd/>
+            <a:tailEnd/>
+          </a:ln>
+        </p:spPr>
+      </p:pic>
+    </p:spTree>
+    <p:extLst>
+      <p:ext uri="{BB962C8B-B14F-4D97-AF65-F5344CB8AC3E}">
+        <p14:creationId xmlns:p14="http://schemas.microsoft.com/office/powerpoint/2010/main" val="4252010861"/>
+      </p:ext>
+    </p:extLst>
+  </p:cSld>
+  <p:clrMapOvr>
+    <a:masterClrMapping/>
+  </p:clrMapOvr>
+</p:sld>
+</file>
+
+<file path=ppt/slides/slide7.xml><?xml version="1.0" encoding="utf-8"?>
+<p:sld xmlns:a="http://schemas.openxmlformats.org/drawingml/2006/main" xmlns:r="http://schemas.openxmlformats.org/officeDocument/2006/relationships" xmlns:p="http://schemas.openxmlformats.org/presentationml/2006/main">
+  <p:cSld>
+    <p:spTree>
+      <p:nvGrpSpPr>
+        <p:cNvPr id="1" name=""/>
+        <p:cNvGrpSpPr/>
+        <p:nvPr/>
+      </p:nvGrpSpPr>
+      <p:grpSpPr>
+        <a:xfrm>
+          <a:off x="0" y="0"/>
+          <a:ext cx="0" cy="0"/>
+          <a:chOff x="0" y="0"/>
+          <a:chExt cx="0" cy="0"/>
+        </a:xfrm>
+      </p:grpSpPr>
+      <p:sp>
+        <p:nvSpPr>
+          <p:cNvPr id="2" name="標題 1"/>
+          <p:cNvSpPr>
+            <a:spLocks noGrp="1"/>
+          </p:cNvSpPr>
+          <p:nvPr>
+            <p:ph type="ctrTitle"/>
+          </p:nvPr>
+        </p:nvSpPr>
+        <p:spPr>
+          <a:xfrm>
+            <a:off x="0" y="1"/>
+            <a:ext cx="9144000" cy="764704"/>
+          </a:xfrm>
+          <a:gradFill flip="none" rotWithShape="1">
+            <a:gsLst>
+              <a:gs pos="0">
+                <a:srgbClr val="C00000">
+                  <a:shade val="30000"/>
+                  <a:satMod val="115000"/>
+                </a:srgbClr>
+              </a:gs>
+              <a:gs pos="50000">
+                <a:srgbClr val="C00000">
+                  <a:shade val="67500"/>
+                  <a:satMod val="115000"/>
+                </a:srgbClr>
+              </a:gs>
+              <a:gs pos="100000">
+                <a:srgbClr val="C00000">
+                  <a:shade val="100000"/>
+                  <a:satMod val="115000"/>
+                </a:srgbClr>
+              </a:gs>
+            </a:gsLst>
+            <a:path path="circle">
+              <a:fillToRect t="100000" r="100000"/>
+            </a:path>
+            <a:tileRect l="-100000" b="-100000"/>
+          </a:gradFill>
+        </p:spPr>
+        <p:txBody>
+          <a:bodyPr>
+            <a:normAutofit/>
+          </a:bodyPr>
+          <a:lstStyle/>
+          <a:p>
+            <a:pPr algn="l"/>
+            <a:r>
+              <a:rPr lang="en-US" altLang="zh-TW" b="1" dirty="0">
+                <a:solidFill>
+                  <a:srgbClr val="FFFF00"/>
+                </a:solidFill>
+              </a:rPr>
+              <a:t>7.1 Quiz</a:t>
+            </a:r>
+            <a:endParaRPr lang="zh-TW" altLang="en-US" b="1" dirty="0">
+              <a:solidFill>
+                <a:srgbClr val="FFFF00"/>
+              </a:solidFill>
+            </a:endParaRPr>
+          </a:p>
+        </p:txBody>
+      </p:sp>
+      <p:sp>
+        <p:nvSpPr>
+          <p:cNvPr id="3" name="副標題 2"/>
+          <p:cNvSpPr>
+            <a:spLocks noGrp="1"/>
+          </p:cNvSpPr>
+          <p:nvPr>
+            <p:ph type="subTitle" idx="1"/>
+          </p:nvPr>
+        </p:nvSpPr>
+        <p:spPr>
+          <a:xfrm>
+            <a:off x="467544" y="1340766"/>
+            <a:ext cx="8219256" cy="4680522"/>
+          </a:xfrm>
+          <a:ln>
+            <a:solidFill>
+              <a:srgbClr val="C00000"/>
+            </a:solidFill>
+          </a:ln>
+        </p:spPr>
+        <p:txBody>
+          <a:bodyPr>
+            <a:noAutofit/>
+          </a:bodyPr>
+          <a:lstStyle/>
+          <a:p>
+            <a:pPr marL="342900" indent="-342900" algn="l">
+              <a:buClr>
+                <a:srgbClr val="0070C0"/>
+              </a:buClr>
+              <a:buSzPct val="80000"/>
+              <a:buFont typeface="Wingdings" pitchFamily="2" charset="2"/>
+              <a:buChar char="u"/>
+            </a:pPr>
+            <a:r>
+              <a:rPr lang="en-US" altLang="zh-TW" sz="1800" b="1" dirty="0">
+                <a:solidFill>
+                  <a:schemeClr val="tx1"/>
+                </a:solidFill>
+                <a:latin typeface="+mj-lt"/>
+              </a:rPr>
+              <a:t>Quiz</a:t>
+            </a:r>
+          </a:p>
+          <a:p>
+            <a:pPr marL="342900" indent="-342900" algn="l">
+              <a:buClr>
+                <a:srgbClr val="0070C0"/>
+              </a:buClr>
+              <a:buSzPct val="80000"/>
+              <a:buFont typeface="Wingdings" pitchFamily="2" charset="2"/>
+              <a:buChar char="u"/>
+            </a:pPr>
+            <a:r>
+              <a:rPr lang="en-US" altLang="zh-TW" sz="1800" b="1" dirty="0">
+                <a:solidFill>
+                  <a:schemeClr val="tx1"/>
+                </a:solidFill>
+                <a:latin typeface="+mj-lt"/>
+              </a:rPr>
+              <a:t>1. What is Hook?</a:t>
+            </a:r>
+          </a:p>
+          <a:p>
+            <a:pPr marL="342900" indent="-342900" algn="l">
+              <a:buClr>
+                <a:srgbClr val="0070C0"/>
+              </a:buClr>
+              <a:buSzPct val="80000"/>
+              <a:buFont typeface="Wingdings" pitchFamily="2" charset="2"/>
+              <a:buChar char="u"/>
+            </a:pPr>
+            <a:r>
+              <a:rPr lang="en-US" altLang="zh-TW" sz="1800" b="1" dirty="0">
+                <a:solidFill>
+                  <a:schemeClr val="tx1"/>
+                </a:solidFill>
+                <a:latin typeface="+mj-lt"/>
+              </a:rPr>
+              <a:t>Ans: Hooks add the state to stateless functional component.</a:t>
+            </a:r>
+          </a:p>
+          <a:p>
+            <a:pPr marL="342900" indent="-342900" algn="l">
+              <a:buClr>
+                <a:srgbClr val="0070C0"/>
+              </a:buClr>
+              <a:buSzPct val="80000"/>
+              <a:buFont typeface="Wingdings" pitchFamily="2" charset="2"/>
+              <a:buChar char="u"/>
+            </a:pPr>
+            <a:r>
+              <a:rPr lang="en-US" altLang="zh-TW" sz="1800" b="1" dirty="0">
+                <a:solidFill>
+                  <a:schemeClr val="tx1"/>
+                </a:solidFill>
+                <a:latin typeface="+mj-lt"/>
+              </a:rPr>
+              <a:t>2. What is Hook impact for previous React release?</a:t>
+            </a:r>
+          </a:p>
+          <a:p>
+            <a:pPr marL="342900" indent="-342900" algn="l">
+              <a:buClr>
+                <a:srgbClr val="0070C0"/>
+              </a:buClr>
+              <a:buSzPct val="80000"/>
+              <a:buFont typeface="Wingdings" pitchFamily="2" charset="2"/>
+              <a:buChar char="u"/>
+            </a:pPr>
+            <a:r>
+              <a:rPr lang="en-US" altLang="zh-TW" sz="1800" b="1" dirty="0">
+                <a:solidFill>
+                  <a:schemeClr val="tx1"/>
+                </a:solidFill>
+                <a:latin typeface="+mj-lt"/>
+              </a:rPr>
+              <a:t>Ans:</a:t>
+            </a:r>
+          </a:p>
+          <a:p>
+            <a:pPr marL="342900" indent="-342900" algn="l">
+              <a:buClr>
+                <a:srgbClr val="0070C0"/>
+              </a:buClr>
+              <a:buSzPct val="80000"/>
+              <a:buFont typeface="+mj-lt"/>
+              <a:buAutoNum type="arabicPeriod"/>
+            </a:pPr>
+            <a:r>
+              <a:rPr lang="en-US" altLang="zh-TW" sz="1800" b="1" dirty="0">
+                <a:solidFill>
+                  <a:schemeClr val="tx1"/>
+                </a:solidFill>
+                <a:latin typeface="+mj-lt"/>
+              </a:rPr>
+              <a:t>There us no breaking changes in hooks, i.e., hooks will not break the current code.</a:t>
+            </a:r>
+          </a:p>
+          <a:p>
+            <a:pPr marL="342900" indent="-342900" algn="l">
+              <a:buClr>
+                <a:srgbClr val="0070C0"/>
+              </a:buClr>
+              <a:buSzPct val="80000"/>
+              <a:buFont typeface="+mj-lt"/>
+              <a:buAutoNum type="arabicPeriod"/>
+            </a:pPr>
+            <a:r>
+              <a:rPr lang="en-US" altLang="zh-TW" sz="1800" b="1" dirty="0">
+                <a:solidFill>
+                  <a:schemeClr val="tx1"/>
+                </a:solidFill>
+                <a:latin typeface="+mj-lt"/>
+              </a:rPr>
+              <a:t>Hooks are completely opt-in and 100% backwards-compatible.</a:t>
+            </a:r>
+          </a:p>
+          <a:p>
+            <a:pPr marL="342900" indent="-342900" algn="l">
+              <a:buClr>
+                <a:srgbClr val="0070C0"/>
+              </a:buClr>
+              <a:buSzPct val="80000"/>
+              <a:buFont typeface="+mj-lt"/>
+              <a:buAutoNum type="arabicPeriod"/>
+            </a:pPr>
+            <a:r>
+              <a:rPr lang="en-US" altLang="zh-TW" sz="1800" b="1" dirty="0">
+                <a:solidFill>
+                  <a:schemeClr val="tx1"/>
+                </a:solidFill>
+                <a:latin typeface="+mj-lt"/>
+              </a:rPr>
+              <a:t>The Component types: Functional components and class components are still working fine.</a:t>
+            </a:r>
+          </a:p>
+          <a:p>
+            <a:pPr marL="342900" indent="-342900" algn="l">
+              <a:buClr>
+                <a:srgbClr val="0070C0"/>
+              </a:buClr>
+              <a:buSzPct val="80000"/>
+              <a:buFont typeface="+mj-lt"/>
+              <a:buAutoNum type="arabicPeriod"/>
+            </a:pPr>
+            <a:r>
+              <a:rPr lang="en-US" altLang="zh-TW" sz="1800" b="1" dirty="0">
+                <a:solidFill>
+                  <a:schemeClr val="tx1"/>
+                </a:solidFill>
+                <a:latin typeface="+mj-lt"/>
+              </a:rPr>
+              <a:t>Class components have state, lifecycle method, and ‘this’ keyword. Hook implement functional component with state and lifecycle without using ‘this’ keyword.</a:t>
+            </a:r>
+          </a:p>
+          <a:p>
+            <a:pPr marL="342900" indent="-342900" algn="l">
+              <a:buClr>
+                <a:srgbClr val="0070C0"/>
+              </a:buClr>
+              <a:buSzPct val="80000"/>
+              <a:buFont typeface="+mj-lt"/>
+              <a:buAutoNum type="arabicPeriod"/>
+            </a:pPr>
+            <a:r>
+              <a:rPr lang="en-US" altLang="zh-TW" sz="1800" b="1" dirty="0">
+                <a:solidFill>
+                  <a:schemeClr val="tx1"/>
+                </a:solidFill>
+                <a:latin typeface="+mj-lt"/>
+              </a:rPr>
+              <a:t>After understand state class component, such as, event binding, and lifecycle hooks in class components, then we can understand what hook bring to functional component.</a:t>
+            </a:r>
+          </a:p>
+        </p:txBody>
+      </p:sp>
+      <p:sp>
+        <p:nvSpPr>
+          <p:cNvPr id="4" name="標題 1"/>
+          <p:cNvSpPr txBox="1">
+            <a:spLocks/>
+          </p:cNvSpPr>
+          <p:nvPr/>
+        </p:nvSpPr>
+        <p:spPr>
+          <a:xfrm>
+            <a:off x="0" y="764704"/>
+            <a:ext cx="9144000" cy="398616"/>
+          </a:xfrm>
+          <a:prstGeom prst="rect">
+            <a:avLst/>
+          </a:prstGeom>
+          <a:gradFill flip="none" rotWithShape="1">
+            <a:gsLst>
+              <a:gs pos="0">
+                <a:srgbClr val="00B0F0">
+                  <a:shade val="30000"/>
+                  <a:satMod val="115000"/>
+                </a:srgbClr>
+              </a:gs>
+              <a:gs pos="50000">
+                <a:srgbClr val="00B0F0">
+                  <a:shade val="67500"/>
+                  <a:satMod val="115000"/>
+                </a:srgbClr>
+              </a:gs>
+              <a:gs pos="100000">
+                <a:srgbClr val="00B0F0">
+                  <a:shade val="100000"/>
+                  <a:satMod val="115000"/>
+                </a:srgbClr>
+              </a:gs>
+            </a:gsLst>
+            <a:path path="circle">
+              <a:fillToRect t="100000" r="100000"/>
+            </a:path>
+            <a:tileRect l="-100000" b="-100000"/>
+          </a:gradFill>
+        </p:spPr>
+        <p:txBody>
+          <a:bodyPr vert="horz" lIns="91440" tIns="45720" rIns="91440" bIns="45720" rtlCol="0" anchor="ctr">
+            <a:normAutofit/>
+          </a:bodyPr>
+          <a:lstStyle/>
+          <a:p>
+            <a:r>
+              <a:rPr lang="en-US" sz="1600" dirty="0">
+                <a:hlinkClick r:id="rId2"/>
+              </a:rPr>
+              <a:t>https://www.youtube.com/watch?v=oecI26cWqzk&amp;list=PLC3y8-rFHvwgg3vaYJgHGnModB54rxOk3&amp;index=7</a:t>
+            </a:r>
+            <a:endParaRPr lang="en-US" altLang="zh-TW" sz="1600" b="1" i="1" dirty="0"/>
+          </a:p>
+        </p:txBody>
+      </p:sp>
+      <p:sp>
+        <p:nvSpPr>
+          <p:cNvPr id="5" name="日期版面配置區 4"/>
+          <p:cNvSpPr>
+            <a:spLocks noGrp="1"/>
+          </p:cNvSpPr>
+          <p:nvPr>
+            <p:ph type="dt" sz="half" idx="10"/>
+          </p:nvPr>
+        </p:nvSpPr>
+        <p:spPr>
+          <a:xfrm>
+            <a:off x="457200" y="6356350"/>
+            <a:ext cx="2133600" cy="404246"/>
+          </a:xfrm>
+        </p:spPr>
+        <p:txBody>
+          <a:bodyPr/>
+          <a:lstStyle/>
+          <a:p>
+            <a:fld id="{A4F910E6-8D00-4BAF-8C48-9688E0B449D3}" type="datetime1">
+              <a:rPr lang="zh-TW" altLang="en-US" smtClean="0"/>
+              <a:pPr/>
+              <a:t>2020/6/28</a:t>
+            </a:fld>
+            <a:endParaRPr lang="zh-TW" altLang="en-US"/>
+          </a:p>
+        </p:txBody>
+      </p:sp>
+      <p:sp>
+        <p:nvSpPr>
+          <p:cNvPr id="6" name="投影片編號版面配置區 5"/>
+          <p:cNvSpPr>
+            <a:spLocks noGrp="1"/>
+          </p:cNvSpPr>
+          <p:nvPr>
+            <p:ph type="sldNum" sz="quarter" idx="12"/>
+          </p:nvPr>
+        </p:nvSpPr>
+        <p:spPr>
+          <a:xfrm>
+            <a:off x="6553200" y="6356350"/>
+            <a:ext cx="2133600" cy="404246"/>
+          </a:xfrm>
+        </p:spPr>
+        <p:txBody>
+          <a:bodyPr/>
+          <a:lstStyle/>
+          <a:p>
+            <a:fld id="{E4D7E63D-91F2-4366-A2C4-1B00C9E2590E}" type="slidenum">
+              <a:rPr lang="zh-TW" altLang="en-US" smtClean="0"/>
+              <a:pPr/>
+              <a:t>7</a:t>
+            </a:fld>
+            <a:endParaRPr lang="zh-TW" altLang="en-US"/>
+          </a:p>
+        </p:txBody>
+      </p:sp>
+    </p:spTree>
+    <p:extLst>
+      <p:ext uri="{BB962C8B-B14F-4D97-AF65-F5344CB8AC3E}">
+        <p14:creationId xmlns:p14="http://schemas.microsoft.com/office/powerpoint/2010/main" val="2021518934"/>
+      </p:ext>
+    </p:extLst>
+  </p:cSld>
+  <p:clrMapOvr>
+    <a:masterClrMapping/>
+  </p:clrMapOvr>
+</p:sld>
+</file>
+
+<file path=ppt/slides/slide8.xml><?xml version="1.0" encoding="utf-8"?>
 <p:sld xmlns:a="http://schemas.openxmlformats.org/drawingml/2006/main" xmlns:r="http://schemas.openxmlformats.org/officeDocument/2006/relationships" xmlns:p="http://schemas.openxmlformats.org/presentationml/2006/main">
   <p:cSld>
     <p:spTree>
@@ -4682,7 +6726,7 @@
             <a:fld id="{4E46BE27-E923-4EC2-B046-3272AE2A3E5C}" type="datetime1">
               <a:rPr lang="zh-TW" altLang="en-US" smtClean="0"/>
               <a:pPr/>
-              <a:t>2020/3/31</a:t>
+              <a:t>2020/6/28</a:t>
             </a:fld>
             <a:endParaRPr lang="zh-TW" altLang="en-US"/>
           </a:p>
@@ -4706,7 +6750,7 @@
             <a:fld id="{E4D7E63D-91F2-4366-A2C4-1B00C9E2590E}" type="slidenum">
               <a:rPr lang="zh-TW" altLang="en-US" smtClean="0"/>
               <a:pPr/>
-              <a:t>4</a:t>
+              <a:t>8</a:t>
             </a:fld>
             <a:endParaRPr lang="zh-TW" altLang="en-US"/>
           </a:p>
